--- a/OOPExam/02 Inheritance and Polymorphism.pptx
+++ b/OOPExam/02 Inheritance and Polymorphism.pptx
@@ -4,6 +4,9 @@
   <p:sldMasterIdLst>
     <p:sldMasterId id="2147483648" r:id="rId1"/>
   </p:sldMasterIdLst>
+  <p:notesMasterIdLst>
+    <p:notesMasterId r:id="rId11"/>
+  </p:notesMasterIdLst>
   <p:sldIdLst>
     <p:sldId id="256" r:id="rId2"/>
     <p:sldId id="257" r:id="rId3"/>
@@ -113,6 +116,565 @@
     </a:lvl9pPr>
   </p:defaultTextStyle>
 </p:presentation>
+</file>
+
+<file path=ppt/notesMasters/notesMaster1.xml><?xml version="1.0" encoding="utf-8"?>
+<p:notesMaster xmlns:a="http://schemas.openxmlformats.org/drawingml/2006/main" xmlns:r="http://schemas.openxmlformats.org/officeDocument/2006/relationships" xmlns:p="http://schemas.openxmlformats.org/presentationml/2006/main">
+  <p:cSld>
+    <p:bg>
+      <p:bgRef idx="1001">
+        <a:schemeClr val="bg1"/>
+      </p:bgRef>
+    </p:bg>
+    <p:spTree>
+      <p:nvGrpSpPr>
+        <p:cNvPr id="1" name=""/>
+        <p:cNvGrpSpPr/>
+        <p:nvPr/>
+      </p:nvGrpSpPr>
+      <p:grpSpPr>
+        <a:xfrm>
+          <a:off x="0" y="0"/>
+          <a:ext cx="0" cy="0"/>
+          <a:chOff x="0" y="0"/>
+          <a:chExt cx="0" cy="0"/>
+        </a:xfrm>
+      </p:grpSpPr>
+      <p:sp>
+        <p:nvSpPr>
+          <p:cNvPr id="2" name="Header Placeholder 1"/>
+          <p:cNvSpPr>
+            <a:spLocks noGrp="1"/>
+          </p:cNvSpPr>
+          <p:nvPr>
+            <p:ph type="hdr" sz="quarter"/>
+          </p:nvPr>
+        </p:nvSpPr>
+        <p:spPr>
+          <a:xfrm>
+            <a:off x="0" y="0"/>
+            <a:ext cx="2971800" cy="457200"/>
+          </a:xfrm>
+          <a:prstGeom prst="rect">
+            <a:avLst/>
+          </a:prstGeom>
+        </p:spPr>
+        <p:txBody>
+          <a:bodyPr vert="horz" lIns="91440" tIns="45720" rIns="91440" bIns="45720" rtlCol="0"/>
+          <a:lstStyle>
+            <a:lvl1pPr algn="l">
+              <a:defRPr sz="1200"/>
+            </a:lvl1pPr>
+          </a:lstStyle>
+          <a:p>
+            <a:endParaRPr lang="en-US"/>
+          </a:p>
+        </p:txBody>
+      </p:sp>
+      <p:sp>
+        <p:nvSpPr>
+          <p:cNvPr id="3" name="Date Placeholder 2"/>
+          <p:cNvSpPr>
+            <a:spLocks noGrp="1"/>
+          </p:cNvSpPr>
+          <p:nvPr>
+            <p:ph type="dt" idx="1"/>
+          </p:nvPr>
+        </p:nvSpPr>
+        <p:spPr>
+          <a:xfrm>
+            <a:off x="3884613" y="0"/>
+            <a:ext cx="2971800" cy="457200"/>
+          </a:xfrm>
+          <a:prstGeom prst="rect">
+            <a:avLst/>
+          </a:prstGeom>
+        </p:spPr>
+        <p:txBody>
+          <a:bodyPr vert="horz" lIns="91440" tIns="45720" rIns="91440" bIns="45720" rtlCol="0"/>
+          <a:lstStyle>
+            <a:lvl1pPr algn="r">
+              <a:defRPr sz="1200"/>
+            </a:lvl1pPr>
+          </a:lstStyle>
+          <a:p>
+            <a:fld id="{2A83C800-4E83-4D0A-AC8B-25B6ED2750C4}" type="datetimeFigureOut">
+              <a:rPr lang="en-US" smtClean="0"/>
+              <a:t>1/12/2010</a:t>
+            </a:fld>
+            <a:endParaRPr lang="en-US"/>
+          </a:p>
+        </p:txBody>
+      </p:sp>
+      <p:sp>
+        <p:nvSpPr>
+          <p:cNvPr id="4" name="Slide Image Placeholder 3"/>
+          <p:cNvSpPr>
+            <a:spLocks noGrp="1" noRot="1" noChangeAspect="1"/>
+          </p:cNvSpPr>
+          <p:nvPr>
+            <p:ph type="sldImg" idx="2"/>
+          </p:nvPr>
+        </p:nvSpPr>
+        <p:spPr>
+          <a:xfrm>
+            <a:off x="1143000" y="685800"/>
+            <a:ext cx="4572000" cy="3429000"/>
+          </a:xfrm>
+          <a:prstGeom prst="rect">
+            <a:avLst/>
+          </a:prstGeom>
+          <a:noFill/>
+          <a:ln w="12700">
+            <a:solidFill>
+              <a:prstClr val="black"/>
+            </a:solidFill>
+          </a:ln>
+        </p:spPr>
+        <p:txBody>
+          <a:bodyPr vert="horz" lIns="91440" tIns="45720" rIns="91440" bIns="45720" rtlCol="0" anchor="ctr"/>
+          <a:lstStyle/>
+          <a:p>
+            <a:endParaRPr lang="en-US"/>
+          </a:p>
+        </p:txBody>
+      </p:sp>
+      <p:sp>
+        <p:nvSpPr>
+          <p:cNvPr id="5" name="Notes Placeholder 4"/>
+          <p:cNvSpPr>
+            <a:spLocks noGrp="1"/>
+          </p:cNvSpPr>
+          <p:nvPr>
+            <p:ph type="body" sz="quarter" idx="3"/>
+          </p:nvPr>
+        </p:nvSpPr>
+        <p:spPr>
+          <a:xfrm>
+            <a:off x="685800" y="4343400"/>
+            <a:ext cx="5486400" cy="4114800"/>
+          </a:xfrm>
+          <a:prstGeom prst="rect">
+            <a:avLst/>
+          </a:prstGeom>
+        </p:spPr>
+        <p:txBody>
+          <a:bodyPr vert="horz" lIns="91440" tIns="45720" rIns="91440" bIns="45720" rtlCol="0">
+            <a:normAutofit/>
+          </a:bodyPr>
+          <a:lstStyle/>
+          <a:p>
+            <a:pPr lvl="0"/>
+            <a:r>
+              <a:rPr lang="en-US" smtClean="0"/>
+              <a:t>Click to edit Master text styles</a:t>
+            </a:r>
+          </a:p>
+          <a:p>
+            <a:pPr lvl="1"/>
+            <a:r>
+              <a:rPr lang="en-US" smtClean="0"/>
+              <a:t>Second level</a:t>
+            </a:r>
+          </a:p>
+          <a:p>
+            <a:pPr lvl="2"/>
+            <a:r>
+              <a:rPr lang="en-US" smtClean="0"/>
+              <a:t>Third level</a:t>
+            </a:r>
+          </a:p>
+          <a:p>
+            <a:pPr lvl="3"/>
+            <a:r>
+              <a:rPr lang="en-US" smtClean="0"/>
+              <a:t>Fourth level</a:t>
+            </a:r>
+          </a:p>
+          <a:p>
+            <a:pPr lvl="4"/>
+            <a:r>
+              <a:rPr lang="en-US" smtClean="0"/>
+              <a:t>Fifth level</a:t>
+            </a:r>
+            <a:endParaRPr lang="en-US"/>
+          </a:p>
+        </p:txBody>
+      </p:sp>
+      <p:sp>
+        <p:nvSpPr>
+          <p:cNvPr id="6" name="Footer Placeholder 5"/>
+          <p:cNvSpPr>
+            <a:spLocks noGrp="1"/>
+          </p:cNvSpPr>
+          <p:nvPr>
+            <p:ph type="ftr" sz="quarter" idx="4"/>
+          </p:nvPr>
+        </p:nvSpPr>
+        <p:spPr>
+          <a:xfrm>
+            <a:off x="0" y="8685213"/>
+            <a:ext cx="2971800" cy="457200"/>
+          </a:xfrm>
+          <a:prstGeom prst="rect">
+            <a:avLst/>
+          </a:prstGeom>
+        </p:spPr>
+        <p:txBody>
+          <a:bodyPr vert="horz" lIns="91440" tIns="45720" rIns="91440" bIns="45720" rtlCol="0" anchor="b"/>
+          <a:lstStyle>
+            <a:lvl1pPr algn="l">
+              <a:defRPr sz="1200"/>
+            </a:lvl1pPr>
+          </a:lstStyle>
+          <a:p>
+            <a:endParaRPr lang="en-US"/>
+          </a:p>
+        </p:txBody>
+      </p:sp>
+      <p:sp>
+        <p:nvSpPr>
+          <p:cNvPr id="7" name="Slide Number Placeholder 6"/>
+          <p:cNvSpPr>
+            <a:spLocks noGrp="1"/>
+          </p:cNvSpPr>
+          <p:nvPr>
+            <p:ph type="sldNum" sz="quarter" idx="5"/>
+          </p:nvPr>
+        </p:nvSpPr>
+        <p:spPr>
+          <a:xfrm>
+            <a:off x="3884613" y="8685213"/>
+            <a:ext cx="2971800" cy="457200"/>
+          </a:xfrm>
+          <a:prstGeom prst="rect">
+            <a:avLst/>
+          </a:prstGeom>
+        </p:spPr>
+        <p:txBody>
+          <a:bodyPr vert="horz" lIns="91440" tIns="45720" rIns="91440" bIns="45720" rtlCol="0" anchor="b"/>
+          <a:lstStyle>
+            <a:lvl1pPr algn="r">
+              <a:defRPr sz="1200"/>
+            </a:lvl1pPr>
+          </a:lstStyle>
+          <a:p>
+            <a:fld id="{1479D3CE-7FA4-44E4-AED3-CF283C2B74AC}" type="slidenum">
+              <a:rPr lang="en-US" smtClean="0"/>
+              <a:t>‹#›</a:t>
+            </a:fld>
+            <a:endParaRPr lang="en-US"/>
+          </a:p>
+        </p:txBody>
+      </p:sp>
+    </p:spTree>
+  </p:cSld>
+  <p:clrMap bg1="lt1" tx1="dk1" bg2="lt2" tx2="dk2" accent1="accent1" accent2="accent2" accent3="accent3" accent4="accent4" accent5="accent5" accent6="accent6" hlink="hlink" folHlink="folHlink"/>
+  <p:notesStyle>
+    <a:lvl1pPr marL="0" algn="l" defTabSz="914400" rtl="0" eaLnBrk="1" latinLnBrk="0" hangingPunct="1">
+      <a:defRPr sz="1200" kern="1200">
+        <a:solidFill>
+          <a:schemeClr val="tx1"/>
+        </a:solidFill>
+        <a:latin typeface="+mn-lt"/>
+        <a:ea typeface="+mn-ea"/>
+        <a:cs typeface="+mn-cs"/>
+      </a:defRPr>
+    </a:lvl1pPr>
+    <a:lvl2pPr marL="457200" algn="l" defTabSz="914400" rtl="0" eaLnBrk="1" latinLnBrk="0" hangingPunct="1">
+      <a:defRPr sz="1200" kern="1200">
+        <a:solidFill>
+          <a:schemeClr val="tx1"/>
+        </a:solidFill>
+        <a:latin typeface="+mn-lt"/>
+        <a:ea typeface="+mn-ea"/>
+        <a:cs typeface="+mn-cs"/>
+      </a:defRPr>
+    </a:lvl2pPr>
+    <a:lvl3pPr marL="914400" algn="l" defTabSz="914400" rtl="0" eaLnBrk="1" latinLnBrk="0" hangingPunct="1">
+      <a:defRPr sz="1200" kern="1200">
+        <a:solidFill>
+          <a:schemeClr val="tx1"/>
+        </a:solidFill>
+        <a:latin typeface="+mn-lt"/>
+        <a:ea typeface="+mn-ea"/>
+        <a:cs typeface="+mn-cs"/>
+      </a:defRPr>
+    </a:lvl3pPr>
+    <a:lvl4pPr marL="1371600" algn="l" defTabSz="914400" rtl="0" eaLnBrk="1" latinLnBrk="0" hangingPunct="1">
+      <a:defRPr sz="1200" kern="1200">
+        <a:solidFill>
+          <a:schemeClr val="tx1"/>
+        </a:solidFill>
+        <a:latin typeface="+mn-lt"/>
+        <a:ea typeface="+mn-ea"/>
+        <a:cs typeface="+mn-cs"/>
+      </a:defRPr>
+    </a:lvl4pPr>
+    <a:lvl5pPr marL="1828800" algn="l" defTabSz="914400" rtl="0" eaLnBrk="1" latinLnBrk="0" hangingPunct="1">
+      <a:defRPr sz="1200" kern="1200">
+        <a:solidFill>
+          <a:schemeClr val="tx1"/>
+        </a:solidFill>
+        <a:latin typeface="+mn-lt"/>
+        <a:ea typeface="+mn-ea"/>
+        <a:cs typeface="+mn-cs"/>
+      </a:defRPr>
+    </a:lvl5pPr>
+    <a:lvl6pPr marL="2286000" algn="l" defTabSz="914400" rtl="0" eaLnBrk="1" latinLnBrk="0" hangingPunct="1">
+      <a:defRPr sz="1200" kern="1200">
+        <a:solidFill>
+          <a:schemeClr val="tx1"/>
+        </a:solidFill>
+        <a:latin typeface="+mn-lt"/>
+        <a:ea typeface="+mn-ea"/>
+        <a:cs typeface="+mn-cs"/>
+      </a:defRPr>
+    </a:lvl6pPr>
+    <a:lvl7pPr marL="2743200" algn="l" defTabSz="914400" rtl="0" eaLnBrk="1" latinLnBrk="0" hangingPunct="1">
+      <a:defRPr sz="1200" kern="1200">
+        <a:solidFill>
+          <a:schemeClr val="tx1"/>
+        </a:solidFill>
+        <a:latin typeface="+mn-lt"/>
+        <a:ea typeface="+mn-ea"/>
+        <a:cs typeface="+mn-cs"/>
+      </a:defRPr>
+    </a:lvl7pPr>
+    <a:lvl8pPr marL="3200400" algn="l" defTabSz="914400" rtl="0" eaLnBrk="1" latinLnBrk="0" hangingPunct="1">
+      <a:defRPr sz="1200" kern="1200">
+        <a:solidFill>
+          <a:schemeClr val="tx1"/>
+        </a:solidFill>
+        <a:latin typeface="+mn-lt"/>
+        <a:ea typeface="+mn-ea"/>
+        <a:cs typeface="+mn-cs"/>
+      </a:defRPr>
+    </a:lvl8pPr>
+    <a:lvl9pPr marL="3657600" algn="l" defTabSz="914400" rtl="0" eaLnBrk="1" latinLnBrk="0" hangingPunct="1">
+      <a:defRPr sz="1200" kern="1200">
+        <a:solidFill>
+          <a:schemeClr val="tx1"/>
+        </a:solidFill>
+        <a:latin typeface="+mn-lt"/>
+        <a:ea typeface="+mn-ea"/>
+        <a:cs typeface="+mn-cs"/>
+      </a:defRPr>
+    </a:lvl9pPr>
+  </p:notesStyle>
+</p:notesMaster>
+</file>
+
+<file path=ppt/notesSlides/notesSlide1.xml><?xml version="1.0" encoding="utf-8"?>
+<p:notes xmlns:a="http://schemas.openxmlformats.org/drawingml/2006/main" xmlns:r="http://schemas.openxmlformats.org/officeDocument/2006/relationships" xmlns:p="http://schemas.openxmlformats.org/presentationml/2006/main">
+  <p:cSld>
+    <p:spTree>
+      <p:nvGrpSpPr>
+        <p:cNvPr id="1" name=""/>
+        <p:cNvGrpSpPr/>
+        <p:nvPr/>
+      </p:nvGrpSpPr>
+      <p:grpSpPr>
+        <a:xfrm>
+          <a:off x="0" y="0"/>
+          <a:ext cx="0" cy="0"/>
+          <a:chOff x="0" y="0"/>
+          <a:chExt cx="0" cy="0"/>
+        </a:xfrm>
+      </p:grpSpPr>
+      <p:sp>
+        <p:nvSpPr>
+          <p:cNvPr id="2" name="Slide Image Placeholder 1"/>
+          <p:cNvSpPr>
+            <a:spLocks noGrp="1" noRot="1" noChangeAspect="1"/>
+          </p:cNvSpPr>
+          <p:nvPr>
+            <p:ph type="sldImg"/>
+          </p:nvPr>
+        </p:nvSpPr>
+        <p:spPr/>
+      </p:sp>
+      <p:sp>
+        <p:nvSpPr>
+          <p:cNvPr id="3" name="Notes Placeholder 2"/>
+          <p:cNvSpPr>
+            <a:spLocks noGrp="1"/>
+          </p:cNvSpPr>
+          <p:nvPr>
+            <p:ph type="body" idx="1"/>
+          </p:nvPr>
+        </p:nvSpPr>
+        <p:spPr/>
+        <p:txBody>
+          <a:bodyPr>
+            <a:normAutofit/>
+          </a:bodyPr>
+          <a:lstStyle/>
+          <a:p>
+            <a:r>
+              <a:rPr lang="en-US" sz="1200" kern="1200" dirty="0" smtClean="0">
+                <a:solidFill>
+                  <a:schemeClr val="tx1"/>
+                </a:solidFill>
+                <a:latin typeface="+mn-lt"/>
+                <a:ea typeface="+mn-ea"/>
+                <a:cs typeface="+mn-cs"/>
+              </a:rPr>
+              <a:t>Give an explanation for the concepts inheritance and polymorphism</a:t>
+            </a:r>
+          </a:p>
+          <a:p>
+            <a:r>
+              <a:rPr lang="en-US" sz="1200" kern="1200" dirty="0" smtClean="0">
+                <a:solidFill>
+                  <a:schemeClr val="tx1"/>
+                </a:solidFill>
+                <a:latin typeface="+mn-lt"/>
+                <a:ea typeface="+mn-ea"/>
+                <a:cs typeface="+mn-cs"/>
+              </a:rPr>
+              <a:t> </a:t>
+            </a:r>
+          </a:p>
+          <a:p>
+            <a:r>
+              <a:rPr lang="en-US" sz="1200" kern="1200" dirty="0" smtClean="0">
+                <a:solidFill>
+                  <a:schemeClr val="tx1"/>
+                </a:solidFill>
+                <a:latin typeface="+mn-lt"/>
+                <a:ea typeface="+mn-ea"/>
+                <a:cs typeface="+mn-cs"/>
+              </a:rPr>
+              <a:t>Relevant theoretical decisions</a:t>
+            </a:r>
+          </a:p>
+          <a:p>
+            <a:pPr lvl="0"/>
+            <a:r>
+              <a:rPr lang="en-US" sz="1200" kern="1200" dirty="0" smtClean="0">
+                <a:solidFill>
+                  <a:schemeClr val="tx1"/>
+                </a:solidFill>
+                <a:latin typeface="+mn-lt"/>
+                <a:ea typeface="+mn-ea"/>
+                <a:cs typeface="+mn-cs"/>
+              </a:rPr>
+              <a:t>What is inheritance, when and how is it used?</a:t>
+            </a:r>
+          </a:p>
+          <a:p>
+            <a:pPr lvl="0"/>
+            <a:r>
+              <a:rPr lang="en-US" sz="1200" kern="1200" dirty="0" smtClean="0">
+                <a:solidFill>
+                  <a:schemeClr val="tx1"/>
+                </a:solidFill>
+                <a:latin typeface="+mn-lt"/>
+                <a:ea typeface="+mn-ea"/>
+                <a:cs typeface="+mn-cs"/>
+              </a:rPr>
+              <a:t>How are the relationship between references and objects in an inheritance hierarchy?</a:t>
+            </a:r>
+          </a:p>
+          <a:p>
+            <a:pPr lvl="0"/>
+            <a:r>
+              <a:rPr lang="en-US" sz="1200" kern="1200" dirty="0" smtClean="0">
+                <a:solidFill>
+                  <a:schemeClr val="tx1"/>
+                </a:solidFill>
+                <a:latin typeface="+mn-lt"/>
+                <a:ea typeface="+mn-ea"/>
+                <a:cs typeface="+mn-cs"/>
+              </a:rPr>
+              <a:t>What are static and dynamic types?</a:t>
+            </a:r>
+          </a:p>
+          <a:p>
+            <a:pPr lvl="0"/>
+            <a:r>
+              <a:rPr lang="en-US" sz="1200" kern="1200" dirty="0" smtClean="0">
+                <a:solidFill>
+                  <a:schemeClr val="tx1"/>
+                </a:solidFill>
+                <a:latin typeface="+mn-lt"/>
+                <a:ea typeface="+mn-ea"/>
+                <a:cs typeface="+mn-cs"/>
+              </a:rPr>
+              <a:t>What is polymorphism, when and how is it used?</a:t>
+            </a:r>
+          </a:p>
+          <a:p>
+            <a:pPr lvl="0"/>
+            <a:r>
+              <a:rPr lang="en-US" sz="1200" kern="1200" dirty="0" smtClean="0">
+                <a:solidFill>
+                  <a:schemeClr val="tx1"/>
+                </a:solidFill>
+                <a:latin typeface="+mn-lt"/>
+                <a:ea typeface="+mn-ea"/>
+                <a:cs typeface="+mn-cs"/>
+              </a:rPr>
+              <a:t>How do you understand the concepts early and late binding?</a:t>
+            </a:r>
+          </a:p>
+          <a:p>
+            <a:pPr lvl="0"/>
+            <a:r>
+              <a:rPr lang="en-US" sz="1200" kern="1200" dirty="0" smtClean="0">
+                <a:solidFill>
+                  <a:schemeClr val="tx1"/>
+                </a:solidFill>
+                <a:latin typeface="+mn-lt"/>
+                <a:ea typeface="+mn-ea"/>
+                <a:cs typeface="+mn-cs"/>
+              </a:rPr>
+              <a:t>What is a polymorphic method?</a:t>
+            </a:r>
+            <a:endParaRPr lang="en-US" sz="1200" kern="1200" smtClean="0">
+              <a:solidFill>
+                <a:schemeClr val="tx1"/>
+              </a:solidFill>
+              <a:latin typeface="+mn-lt"/>
+              <a:ea typeface="+mn-ea"/>
+              <a:cs typeface="+mn-cs"/>
+            </a:endParaRPr>
+          </a:p>
+          <a:p>
+            <a:endParaRPr lang="en-US"/>
+          </a:p>
+        </p:txBody>
+      </p:sp>
+      <p:sp>
+        <p:nvSpPr>
+          <p:cNvPr id="4" name="Slide Number Placeholder 3"/>
+          <p:cNvSpPr>
+            <a:spLocks noGrp="1"/>
+          </p:cNvSpPr>
+          <p:nvPr>
+            <p:ph type="sldNum" sz="quarter" idx="10"/>
+          </p:nvPr>
+        </p:nvSpPr>
+        <p:spPr/>
+        <p:txBody>
+          <a:bodyPr/>
+          <a:lstStyle/>
+          <a:p>
+            <a:fld id="{1479D3CE-7FA4-44E4-AED3-CF283C2B74AC}" type="slidenum">
+              <a:rPr lang="en-US" smtClean="0"/>
+              <a:t>1</a:t>
+            </a:fld>
+            <a:endParaRPr lang="en-US"/>
+          </a:p>
+        </p:txBody>
+      </p:sp>
+    </p:spTree>
+  </p:cSld>
+  <p:clrMapOvr>
+    <a:masterClrMapping/>
+  </p:clrMapOvr>
+</p:notes>
 </file>
 
 <file path=ppt/slideLayouts/slideLayout1.xml><?xml version="1.0" encoding="utf-8"?>
@@ -4091,4 +4653,287 @@
   <a:objectDefaults/>
   <a:extraClrSchemeLst/>
 </a:theme>
+</file>
+
+<file path=ppt/theme/theme2.xml><?xml version="1.0" encoding="utf-8"?>
+<a:theme xmlns:a="http://schemas.openxmlformats.org/drawingml/2006/main" name="Office Theme">
+  <a:themeElements>
+    <a:clrScheme name="Office">
+      <a:dk1>
+        <a:sysClr val="windowText" lastClr="000000"/>
+      </a:dk1>
+      <a:lt1>
+        <a:sysClr val="window" lastClr="FFFFFF"/>
+      </a:lt1>
+      <a:dk2>
+        <a:srgbClr val="1F497D"/>
+      </a:dk2>
+      <a:lt2>
+        <a:srgbClr val="EEECE1"/>
+      </a:lt2>
+      <a:accent1>
+        <a:srgbClr val="4F81BD"/>
+      </a:accent1>
+      <a:accent2>
+        <a:srgbClr val="C0504D"/>
+      </a:accent2>
+      <a:accent3>
+        <a:srgbClr val="9BBB59"/>
+      </a:accent3>
+      <a:accent4>
+        <a:srgbClr val="8064A2"/>
+      </a:accent4>
+      <a:accent5>
+        <a:srgbClr val="4BACC6"/>
+      </a:accent5>
+      <a:accent6>
+        <a:srgbClr val="F79646"/>
+      </a:accent6>
+      <a:hlink>
+        <a:srgbClr val="0000FF"/>
+      </a:hlink>
+      <a:folHlink>
+        <a:srgbClr val="800080"/>
+      </a:folHlink>
+    </a:clrScheme>
+    <a:fontScheme name="Office">
+      <a:majorFont>
+        <a:latin typeface="Calibri"/>
+        <a:ea typeface=""/>
+        <a:cs typeface=""/>
+        <a:font script="Jpan" typeface="ＭＳ Ｐゴシック"/>
+        <a:font script="Hang" typeface="맑은 고딕"/>
+        <a:font script="Hans" typeface="宋体"/>
+        <a:font script="Hant" typeface="新細明體"/>
+        <a:font script="Arab" typeface="Times New Roman"/>
+        <a:font script="Hebr" typeface="Times New Roman"/>
+        <a:font script="Thai" typeface="Angsana New"/>
+        <a:font script="Ethi" typeface="Nyala"/>
+        <a:font script="Beng" typeface="Vrinda"/>
+        <a:font script="Gujr" typeface="Shruti"/>
+        <a:font script="Khmr" typeface="MoolBoran"/>
+        <a:font script="Knda" typeface="Tunga"/>
+        <a:font script="Guru" typeface="Raavi"/>
+        <a:font script="Cans" typeface="Euphemia"/>
+        <a:font script="Cher" typeface="Plantagenet Cherokee"/>
+        <a:font script="Yiii" typeface="Microsoft Yi Baiti"/>
+        <a:font script="Tibt" typeface="Microsoft Himalaya"/>
+        <a:font script="Thaa" typeface="MV Boli"/>
+        <a:font script="Deva" typeface="Mangal"/>
+        <a:font script="Telu" typeface="Gautami"/>
+        <a:font script="Taml" typeface="Latha"/>
+        <a:font script="Syrc" typeface="Estrangelo Edessa"/>
+        <a:font script="Orya" typeface="Kalinga"/>
+        <a:font script="Mlym" typeface="Kartika"/>
+        <a:font script="Laoo" typeface="DokChampa"/>
+        <a:font script="Sinh" typeface="Iskoola Pota"/>
+        <a:font script="Mong" typeface="Mongolian Baiti"/>
+        <a:font script="Viet" typeface="Times New Roman"/>
+        <a:font script="Uigh" typeface="Microsoft Uighur"/>
+      </a:majorFont>
+      <a:minorFont>
+        <a:latin typeface="Calibri"/>
+        <a:ea typeface=""/>
+        <a:cs typeface=""/>
+        <a:font script="Jpan" typeface="ＭＳ Ｐゴシック"/>
+        <a:font script="Hang" typeface="맑은 고딕"/>
+        <a:font script="Hans" typeface="宋体"/>
+        <a:font script="Hant" typeface="新細明體"/>
+        <a:font script="Arab" typeface="Arial"/>
+        <a:font script="Hebr" typeface="Arial"/>
+        <a:font script="Thai" typeface="Cordia New"/>
+        <a:font script="Ethi" typeface="Nyala"/>
+        <a:font script="Beng" typeface="Vrinda"/>
+        <a:font script="Gujr" typeface="Shruti"/>
+        <a:font script="Khmr" typeface="DaunPenh"/>
+        <a:font script="Knda" typeface="Tunga"/>
+        <a:font script="Guru" typeface="Raavi"/>
+        <a:font script="Cans" typeface="Euphemia"/>
+        <a:font script="Cher" typeface="Plantagenet Cherokee"/>
+        <a:font script="Yiii" typeface="Microsoft Yi Baiti"/>
+        <a:font script="Tibt" typeface="Microsoft Himalaya"/>
+        <a:font script="Thaa" typeface="MV Boli"/>
+        <a:font script="Deva" typeface="Mangal"/>
+        <a:font script="Telu" typeface="Gautami"/>
+        <a:font script="Taml" typeface="Latha"/>
+        <a:font script="Syrc" typeface="Estrangelo Edessa"/>
+        <a:font script="Orya" typeface="Kalinga"/>
+        <a:font script="Mlym" typeface="Kartika"/>
+        <a:font script="Laoo" typeface="DokChampa"/>
+        <a:font script="Sinh" typeface="Iskoola Pota"/>
+        <a:font script="Mong" typeface="Mongolian Baiti"/>
+        <a:font script="Viet" typeface="Arial"/>
+        <a:font script="Uigh" typeface="Microsoft Uighur"/>
+      </a:minorFont>
+    </a:fontScheme>
+    <a:fmtScheme name="Office">
+      <a:fillStyleLst>
+        <a:solidFill>
+          <a:schemeClr val="phClr"/>
+        </a:solidFill>
+        <a:gradFill rotWithShape="1">
+          <a:gsLst>
+            <a:gs pos="0">
+              <a:schemeClr val="phClr">
+                <a:tint val="50000"/>
+                <a:satMod val="300000"/>
+              </a:schemeClr>
+            </a:gs>
+            <a:gs pos="35000">
+              <a:schemeClr val="phClr">
+                <a:tint val="37000"/>
+                <a:satMod val="300000"/>
+              </a:schemeClr>
+            </a:gs>
+            <a:gs pos="100000">
+              <a:schemeClr val="phClr">
+                <a:tint val="15000"/>
+                <a:satMod val="350000"/>
+              </a:schemeClr>
+            </a:gs>
+          </a:gsLst>
+          <a:lin ang="16200000" scaled="1"/>
+        </a:gradFill>
+        <a:gradFill rotWithShape="1">
+          <a:gsLst>
+            <a:gs pos="0">
+              <a:schemeClr val="phClr">
+                <a:shade val="51000"/>
+                <a:satMod val="130000"/>
+              </a:schemeClr>
+            </a:gs>
+            <a:gs pos="80000">
+              <a:schemeClr val="phClr">
+                <a:shade val="93000"/>
+                <a:satMod val="130000"/>
+              </a:schemeClr>
+            </a:gs>
+            <a:gs pos="100000">
+              <a:schemeClr val="phClr">
+                <a:shade val="94000"/>
+                <a:satMod val="135000"/>
+              </a:schemeClr>
+            </a:gs>
+          </a:gsLst>
+          <a:lin ang="16200000" scaled="0"/>
+        </a:gradFill>
+      </a:fillStyleLst>
+      <a:lnStyleLst>
+        <a:ln w="9525" cap="flat" cmpd="sng" algn="ctr">
+          <a:solidFill>
+            <a:schemeClr val="phClr">
+              <a:shade val="95000"/>
+              <a:satMod val="105000"/>
+            </a:schemeClr>
+          </a:solidFill>
+          <a:prstDash val="solid"/>
+        </a:ln>
+        <a:ln w="25400" cap="flat" cmpd="sng" algn="ctr">
+          <a:solidFill>
+            <a:schemeClr val="phClr"/>
+          </a:solidFill>
+          <a:prstDash val="solid"/>
+        </a:ln>
+        <a:ln w="38100" cap="flat" cmpd="sng" algn="ctr">
+          <a:solidFill>
+            <a:schemeClr val="phClr"/>
+          </a:solidFill>
+          <a:prstDash val="solid"/>
+        </a:ln>
+      </a:lnStyleLst>
+      <a:effectStyleLst>
+        <a:effectStyle>
+          <a:effectLst>
+            <a:outerShdw blurRad="40000" dist="20000" dir="5400000" rotWithShape="0">
+              <a:srgbClr val="000000">
+                <a:alpha val="38000"/>
+              </a:srgbClr>
+            </a:outerShdw>
+          </a:effectLst>
+        </a:effectStyle>
+        <a:effectStyle>
+          <a:effectLst>
+            <a:outerShdw blurRad="40000" dist="23000" dir="5400000" rotWithShape="0">
+              <a:srgbClr val="000000">
+                <a:alpha val="35000"/>
+              </a:srgbClr>
+            </a:outerShdw>
+          </a:effectLst>
+        </a:effectStyle>
+        <a:effectStyle>
+          <a:effectLst>
+            <a:outerShdw blurRad="40000" dist="23000" dir="5400000" rotWithShape="0">
+              <a:srgbClr val="000000">
+                <a:alpha val="35000"/>
+              </a:srgbClr>
+            </a:outerShdw>
+          </a:effectLst>
+          <a:scene3d>
+            <a:camera prst="orthographicFront">
+              <a:rot lat="0" lon="0" rev="0"/>
+            </a:camera>
+            <a:lightRig rig="threePt" dir="t">
+              <a:rot lat="0" lon="0" rev="1200000"/>
+            </a:lightRig>
+          </a:scene3d>
+          <a:sp3d>
+            <a:bevelT w="63500" h="25400"/>
+          </a:sp3d>
+        </a:effectStyle>
+      </a:effectStyleLst>
+      <a:bgFillStyleLst>
+        <a:solidFill>
+          <a:schemeClr val="phClr"/>
+        </a:solidFill>
+        <a:gradFill rotWithShape="1">
+          <a:gsLst>
+            <a:gs pos="0">
+              <a:schemeClr val="phClr">
+                <a:tint val="40000"/>
+                <a:satMod val="350000"/>
+              </a:schemeClr>
+            </a:gs>
+            <a:gs pos="40000">
+              <a:schemeClr val="phClr">
+                <a:tint val="45000"/>
+                <a:shade val="99000"/>
+                <a:satMod val="350000"/>
+              </a:schemeClr>
+            </a:gs>
+            <a:gs pos="100000">
+              <a:schemeClr val="phClr">
+                <a:shade val="20000"/>
+                <a:satMod val="255000"/>
+              </a:schemeClr>
+            </a:gs>
+          </a:gsLst>
+          <a:path path="circle">
+            <a:fillToRect l="50000" t="-80000" r="50000" b="180000"/>
+          </a:path>
+        </a:gradFill>
+        <a:gradFill rotWithShape="1">
+          <a:gsLst>
+            <a:gs pos="0">
+              <a:schemeClr val="phClr">
+                <a:tint val="80000"/>
+                <a:satMod val="300000"/>
+              </a:schemeClr>
+            </a:gs>
+            <a:gs pos="100000">
+              <a:schemeClr val="phClr">
+                <a:shade val="30000"/>
+                <a:satMod val="200000"/>
+              </a:schemeClr>
+            </a:gs>
+          </a:gsLst>
+          <a:path path="circle">
+            <a:fillToRect l="50000" t="50000" r="50000" b="50000"/>
+          </a:path>
+        </a:gradFill>
+      </a:bgFillStyleLst>
+    </a:fmtScheme>
+  </a:themeElements>
+  <a:objectDefaults/>
+  <a:extraClrSchemeLst/>
+</a:theme>
 </file>
--- a/OOPExam/02 Inheritance and Polymorphism.pptx
+++ b/OOPExam/02 Inheritance and Polymorphism.pptx
@@ -5,7 +5,7 @@
     <p:sldMasterId id="2147483648" r:id="rId1"/>
   </p:sldMasterIdLst>
   <p:notesMasterIdLst>
-    <p:notesMasterId r:id="rId11"/>
+    <p:notesMasterId r:id="rId12"/>
   </p:notesMasterIdLst>
   <p:sldIdLst>
     <p:sldId id="256" r:id="rId2"/>
@@ -15,8 +15,9 @@
     <p:sldId id="258" r:id="rId6"/>
     <p:sldId id="264" r:id="rId7"/>
     <p:sldId id="262" r:id="rId8"/>
-    <p:sldId id="260" r:id="rId9"/>
-    <p:sldId id="263" r:id="rId10"/>
+    <p:sldId id="265" r:id="rId9"/>
+    <p:sldId id="266" r:id="rId10"/>
+    <p:sldId id="267" r:id="rId11"/>
   </p:sldIdLst>
   <p:sldSz cx="9144000" cy="6858000" type="screen4x3"/>
   <p:notesSz cx="6858000" cy="9144000"/>
@@ -200,7 +201,8 @@
           <a:p>
             <a:fld id="{2A83C800-4E83-4D0A-AC8B-25B6ED2750C4}" type="datetimeFigureOut">
               <a:rPr lang="en-US" smtClean="0"/>
-              <a:t>1/12/2010</a:t>
+              <a:pPr/>
+              <a:t>1/19/2010</a:t>
             </a:fld>
             <a:endParaRPr lang="en-US"/>
           </a:p>
@@ -361,7 +363,8 @@
           <a:p>
             <a:fld id="{1479D3CE-7FA4-44E4-AED3-CF283C2B74AC}" type="slidenum">
               <a:rPr lang="en-US" smtClean="0"/>
-              <a:t>‹#›</a:t>
+              <a:pPr/>
+              <a:t>‹nr.›</a:t>
             </a:fld>
             <a:endParaRPr lang="en-US"/>
           </a:p>
@@ -663,7 +666,257 @@
           <a:p>
             <a:fld id="{1479D3CE-7FA4-44E4-AED3-CF283C2B74AC}" type="slidenum">
               <a:rPr lang="en-US" smtClean="0"/>
+              <a:pPr/>
               <a:t>1</a:t>
+            </a:fld>
+            <a:endParaRPr lang="en-US"/>
+          </a:p>
+        </p:txBody>
+      </p:sp>
+    </p:spTree>
+  </p:cSld>
+  <p:clrMapOvr>
+    <a:masterClrMapping/>
+  </p:clrMapOvr>
+</p:notes>
+</file>
+
+<file path=ppt/notesSlides/notesSlide2.xml><?xml version="1.0" encoding="utf-8"?>
+<p:notes xmlns:a="http://schemas.openxmlformats.org/drawingml/2006/main" xmlns:r="http://schemas.openxmlformats.org/officeDocument/2006/relationships" xmlns:p="http://schemas.openxmlformats.org/presentationml/2006/main">
+  <p:cSld>
+    <p:spTree>
+      <p:nvGrpSpPr>
+        <p:cNvPr id="1" name=""/>
+        <p:cNvGrpSpPr/>
+        <p:nvPr/>
+      </p:nvGrpSpPr>
+      <p:grpSpPr>
+        <a:xfrm>
+          <a:off x="0" y="0"/>
+          <a:ext cx="0" cy="0"/>
+          <a:chOff x="0" y="0"/>
+          <a:chExt cx="0" cy="0"/>
+        </a:xfrm>
+      </p:grpSpPr>
+      <p:sp>
+        <p:nvSpPr>
+          <p:cNvPr id="2" name="Pladsholder til diasbillede 1"/>
+          <p:cNvSpPr>
+            <a:spLocks noGrp="1" noRot="1" noChangeAspect="1"/>
+          </p:cNvSpPr>
+          <p:nvPr>
+            <p:ph type="sldImg"/>
+          </p:nvPr>
+        </p:nvSpPr>
+        <p:spPr/>
+      </p:sp>
+      <p:sp>
+        <p:nvSpPr>
+          <p:cNvPr id="3" name="Pladsholder til noter 2"/>
+          <p:cNvSpPr>
+            <a:spLocks noGrp="1"/>
+          </p:cNvSpPr>
+          <p:nvPr>
+            <p:ph type="body" idx="1"/>
+          </p:nvPr>
+        </p:nvSpPr>
+        <p:spPr/>
+        <p:txBody>
+          <a:bodyPr>
+            <a:normAutofit/>
+          </a:bodyPr>
+          <a:lstStyle/>
+          <a:p>
+            <a:pPr marL="0" marR="0" indent="0" algn="l" defTabSz="914400" rtl="0" eaLnBrk="1" fontAlgn="auto" latinLnBrk="0" hangingPunct="1">
+              <a:lnSpc>
+                <a:spcPct val="100000"/>
+              </a:lnSpc>
+              <a:spcBef>
+                <a:spcPts val="0"/>
+              </a:spcBef>
+              <a:spcAft>
+                <a:spcPts val="0"/>
+              </a:spcAft>
+              <a:buClrTx/>
+              <a:buSzTx/>
+              <a:buFontTx/>
+              <a:buNone/>
+              <a:tabLst/>
+              <a:defRPr/>
+            </a:pPr>
+            <a:endParaRPr lang="en-US" dirty="0" smtClean="0"/>
+          </a:p>
+          <a:p>
+            <a:pPr marL="0" marR="0" indent="0" algn="l" defTabSz="914400" rtl="0" eaLnBrk="1" fontAlgn="auto" latinLnBrk="0" hangingPunct="1">
+              <a:lnSpc>
+                <a:spcPct val="100000"/>
+              </a:lnSpc>
+              <a:spcBef>
+                <a:spcPts val="0"/>
+              </a:spcBef>
+              <a:spcAft>
+                <a:spcPts val="0"/>
+              </a:spcAft>
+              <a:buClrTx/>
+              <a:buSzTx/>
+              <a:buFontTx/>
+              <a:buNone/>
+              <a:tabLst/>
+              <a:defRPr/>
+            </a:pPr>
+            <a:endParaRPr lang="en-US" dirty="0" smtClean="0"/>
+          </a:p>
+          <a:p>
+            <a:pPr marL="0" marR="0" indent="0" algn="l" defTabSz="914400" rtl="0" eaLnBrk="1" fontAlgn="auto" latinLnBrk="0" hangingPunct="1">
+              <a:lnSpc>
+                <a:spcPct val="100000"/>
+              </a:lnSpc>
+              <a:spcBef>
+                <a:spcPts val="0"/>
+              </a:spcBef>
+              <a:spcAft>
+                <a:spcPts val="0"/>
+              </a:spcAft>
+              <a:buClrTx/>
+              <a:buSzTx/>
+              <a:buFontTx/>
+              <a:buNone/>
+              <a:tabLst/>
+              <a:defRPr/>
+            </a:pPr>
+            <a:endParaRPr lang="en-US" dirty="0" smtClean="0"/>
+          </a:p>
+          <a:p>
+            <a:pPr marL="0" marR="0" indent="0" algn="l" defTabSz="914400" rtl="0" eaLnBrk="1" fontAlgn="auto" latinLnBrk="0" hangingPunct="1">
+              <a:lnSpc>
+                <a:spcPct val="100000"/>
+              </a:lnSpc>
+              <a:spcBef>
+                <a:spcPts val="0"/>
+              </a:spcBef>
+              <a:spcAft>
+                <a:spcPts val="0"/>
+              </a:spcAft>
+              <a:buClrTx/>
+              <a:buSzTx/>
+              <a:buFontTx/>
+              <a:buNone/>
+              <a:tabLst/>
+              <a:defRPr/>
+            </a:pPr>
+            <a:r>
+              <a:rPr lang="en-US" dirty="0" smtClean="0"/>
+              <a:t>Our application contains a</a:t>
+            </a:r>
+            <a:r>
+              <a:rPr lang="en-US" baseline="0" dirty="0" smtClean="0"/>
+              <a:t> simple card class, and a deck class.</a:t>
+            </a:r>
+          </a:p>
+          <a:p>
+            <a:pPr marL="0" marR="0" indent="0" algn="l" defTabSz="914400" rtl="0" eaLnBrk="1" fontAlgn="auto" latinLnBrk="0" hangingPunct="1">
+              <a:lnSpc>
+                <a:spcPct val="100000"/>
+              </a:lnSpc>
+              <a:spcBef>
+                <a:spcPts val="0"/>
+              </a:spcBef>
+              <a:spcAft>
+                <a:spcPts val="0"/>
+              </a:spcAft>
+              <a:buClrTx/>
+              <a:buSzTx/>
+              <a:buFontTx/>
+              <a:buNone/>
+              <a:tabLst/>
+              <a:defRPr/>
+            </a:pPr>
+            <a:endParaRPr lang="en-US" baseline="0" dirty="0" smtClean="0"/>
+          </a:p>
+          <a:p>
+            <a:pPr marL="0" marR="0" indent="0" algn="l" defTabSz="914400" rtl="0" eaLnBrk="1" fontAlgn="auto" latinLnBrk="0" hangingPunct="1">
+              <a:lnSpc>
+                <a:spcPct val="100000"/>
+              </a:lnSpc>
+              <a:spcBef>
+                <a:spcPts val="0"/>
+              </a:spcBef>
+              <a:spcAft>
+                <a:spcPts val="0"/>
+              </a:spcAft>
+              <a:buClrTx/>
+              <a:buSzTx/>
+              <a:buFontTx/>
+              <a:buNone/>
+              <a:tabLst/>
+              <a:defRPr/>
+            </a:pPr>
+            <a:r>
+              <a:rPr lang="en-US" baseline="0" dirty="0" smtClean="0"/>
+              <a:t>A deck of cards is a list that contains objects of the type card.</a:t>
+            </a:r>
+          </a:p>
+          <a:p>
+            <a:pPr marL="0" marR="0" indent="0" algn="l" defTabSz="914400" rtl="0" eaLnBrk="1" fontAlgn="auto" latinLnBrk="0" hangingPunct="1">
+              <a:lnSpc>
+                <a:spcPct val="100000"/>
+              </a:lnSpc>
+              <a:spcBef>
+                <a:spcPts val="0"/>
+              </a:spcBef>
+              <a:spcAft>
+                <a:spcPts val="0"/>
+              </a:spcAft>
+              <a:buClrTx/>
+              <a:buSzTx/>
+              <a:buFontTx/>
+              <a:buNone/>
+              <a:tabLst/>
+              <a:defRPr/>
+            </a:pPr>
+            <a:endParaRPr lang="en-US" baseline="0" dirty="0" smtClean="0"/>
+          </a:p>
+          <a:p>
+            <a:pPr marL="0" marR="0" indent="0" algn="l" defTabSz="914400" rtl="0" eaLnBrk="1" fontAlgn="auto" latinLnBrk="0" hangingPunct="1">
+              <a:lnSpc>
+                <a:spcPct val="100000"/>
+              </a:lnSpc>
+              <a:spcBef>
+                <a:spcPts val="0"/>
+              </a:spcBef>
+              <a:spcAft>
+                <a:spcPts val="0"/>
+              </a:spcAft>
+              <a:buClrTx/>
+              <a:buSzTx/>
+              <a:buFontTx/>
+              <a:buNone/>
+              <a:tabLst/>
+              <a:defRPr/>
+            </a:pPr>
+            <a:endParaRPr lang="en-US" dirty="0" smtClean="0"/>
+          </a:p>
+        </p:txBody>
+      </p:sp>
+      <p:sp>
+        <p:nvSpPr>
+          <p:cNvPr id="4" name="Pladsholder til diasnummer 3"/>
+          <p:cNvSpPr>
+            <a:spLocks noGrp="1"/>
+          </p:cNvSpPr>
+          <p:nvPr>
+            <p:ph type="sldNum" sz="quarter" idx="10"/>
+          </p:nvPr>
+        </p:nvSpPr>
+        <p:spPr/>
+        <p:txBody>
+          <a:bodyPr/>
+          <a:lstStyle/>
+          <a:p>
+            <a:fld id="{41BD0771-8E2D-46E3-8723-C8AF04A84B8E}" type="slidenum">
+              <a:rPr lang="en-US" smtClean="0"/>
+              <a:pPr/>
+              <a:t>9</a:t>
             </a:fld>
             <a:endParaRPr lang="en-US"/>
           </a:p>
@@ -859,7 +1112,7 @@
             <a:fld id="{3E57D7DC-7299-43C9-BAE2-F335855B8707}" type="datetimeFigureOut">
               <a:rPr lang="en-US" smtClean="0"/>
               <a:pPr/>
-              <a:t>1/12/2010</a:t>
+              <a:t>1/19/2010</a:t>
             </a:fld>
             <a:endParaRPr lang="da-DK"/>
           </a:p>
@@ -902,7 +1155,7 @@
             <a:fld id="{DD09C360-10AD-4B5E-BF9F-FAB61C3D4D92}" type="slidenum">
               <a:rPr lang="da-DK" smtClean="0"/>
               <a:pPr/>
-              <a:t>‹#›</a:t>
+              <a:t>‹nr.›</a:t>
             </a:fld>
             <a:endParaRPr lang="da-DK"/>
           </a:p>
@@ -1026,7 +1279,7 @@
             <a:fld id="{3E57D7DC-7299-43C9-BAE2-F335855B8707}" type="datetimeFigureOut">
               <a:rPr lang="en-US" smtClean="0"/>
               <a:pPr/>
-              <a:t>1/12/2010</a:t>
+              <a:t>1/19/2010</a:t>
             </a:fld>
             <a:endParaRPr lang="da-DK"/>
           </a:p>
@@ -1069,7 +1322,7 @@
             <a:fld id="{DD09C360-10AD-4B5E-BF9F-FAB61C3D4D92}" type="slidenum">
               <a:rPr lang="da-DK" smtClean="0"/>
               <a:pPr/>
-              <a:t>‹#›</a:t>
+              <a:t>‹nr.›</a:t>
             </a:fld>
             <a:endParaRPr lang="da-DK"/>
           </a:p>
@@ -1203,7 +1456,7 @@
             <a:fld id="{3E57D7DC-7299-43C9-BAE2-F335855B8707}" type="datetimeFigureOut">
               <a:rPr lang="en-US" smtClean="0"/>
               <a:pPr/>
-              <a:t>1/12/2010</a:t>
+              <a:t>1/19/2010</a:t>
             </a:fld>
             <a:endParaRPr lang="da-DK"/>
           </a:p>
@@ -1246,7 +1499,7 @@
             <a:fld id="{DD09C360-10AD-4B5E-BF9F-FAB61C3D4D92}" type="slidenum">
               <a:rPr lang="da-DK" smtClean="0"/>
               <a:pPr/>
-              <a:t>‹#›</a:t>
+              <a:t>‹nr.›</a:t>
             </a:fld>
             <a:endParaRPr lang="da-DK"/>
           </a:p>
@@ -1370,7 +1623,7 @@
             <a:fld id="{3E57D7DC-7299-43C9-BAE2-F335855B8707}" type="datetimeFigureOut">
               <a:rPr lang="en-US" smtClean="0"/>
               <a:pPr/>
-              <a:t>1/12/2010</a:t>
+              <a:t>1/19/2010</a:t>
             </a:fld>
             <a:endParaRPr lang="da-DK"/>
           </a:p>
@@ -1413,7 +1666,7 @@
             <a:fld id="{DD09C360-10AD-4B5E-BF9F-FAB61C3D4D92}" type="slidenum">
               <a:rPr lang="da-DK" smtClean="0"/>
               <a:pPr/>
-              <a:t>‹#›</a:t>
+              <a:t>‹nr.›</a:t>
             </a:fld>
             <a:endParaRPr lang="da-DK"/>
           </a:p>
@@ -1613,7 +1866,7 @@
             <a:fld id="{3E57D7DC-7299-43C9-BAE2-F335855B8707}" type="datetimeFigureOut">
               <a:rPr lang="en-US" smtClean="0"/>
               <a:pPr/>
-              <a:t>1/12/2010</a:t>
+              <a:t>1/19/2010</a:t>
             </a:fld>
             <a:endParaRPr lang="da-DK"/>
           </a:p>
@@ -1656,7 +1909,7 @@
             <a:fld id="{DD09C360-10AD-4B5E-BF9F-FAB61C3D4D92}" type="slidenum">
               <a:rPr lang="da-DK" smtClean="0"/>
               <a:pPr/>
-              <a:t>‹#›</a:t>
+              <a:t>‹nr.›</a:t>
             </a:fld>
             <a:endParaRPr lang="da-DK"/>
           </a:p>
@@ -1898,7 +2151,7 @@
             <a:fld id="{3E57D7DC-7299-43C9-BAE2-F335855B8707}" type="datetimeFigureOut">
               <a:rPr lang="en-US" smtClean="0"/>
               <a:pPr/>
-              <a:t>1/12/2010</a:t>
+              <a:t>1/19/2010</a:t>
             </a:fld>
             <a:endParaRPr lang="da-DK"/>
           </a:p>
@@ -1941,7 +2194,7 @@
             <a:fld id="{DD09C360-10AD-4B5E-BF9F-FAB61C3D4D92}" type="slidenum">
               <a:rPr lang="da-DK" smtClean="0"/>
               <a:pPr/>
-              <a:t>‹#›</a:t>
+              <a:t>‹nr.›</a:t>
             </a:fld>
             <a:endParaRPr lang="da-DK"/>
           </a:p>
@@ -2317,7 +2570,7 @@
             <a:fld id="{3E57D7DC-7299-43C9-BAE2-F335855B8707}" type="datetimeFigureOut">
               <a:rPr lang="en-US" smtClean="0"/>
               <a:pPr/>
-              <a:t>1/12/2010</a:t>
+              <a:t>1/19/2010</a:t>
             </a:fld>
             <a:endParaRPr lang="da-DK"/>
           </a:p>
@@ -2360,7 +2613,7 @@
             <a:fld id="{DD09C360-10AD-4B5E-BF9F-FAB61C3D4D92}" type="slidenum">
               <a:rPr lang="da-DK" smtClean="0"/>
               <a:pPr/>
-              <a:t>‹#›</a:t>
+              <a:t>‹nr.›</a:t>
             </a:fld>
             <a:endParaRPr lang="da-DK"/>
           </a:p>
@@ -2432,7 +2685,7 @@
             <a:fld id="{3E57D7DC-7299-43C9-BAE2-F335855B8707}" type="datetimeFigureOut">
               <a:rPr lang="en-US" smtClean="0"/>
               <a:pPr/>
-              <a:t>1/12/2010</a:t>
+              <a:t>1/19/2010</a:t>
             </a:fld>
             <a:endParaRPr lang="da-DK"/>
           </a:p>
@@ -2475,7 +2728,7 @@
             <a:fld id="{DD09C360-10AD-4B5E-BF9F-FAB61C3D4D92}" type="slidenum">
               <a:rPr lang="da-DK" smtClean="0"/>
               <a:pPr/>
-              <a:t>‹#›</a:t>
+              <a:t>‹nr.›</a:t>
             </a:fld>
             <a:endParaRPr lang="da-DK"/>
           </a:p>
@@ -2524,7 +2777,7 @@
             <a:fld id="{3E57D7DC-7299-43C9-BAE2-F335855B8707}" type="datetimeFigureOut">
               <a:rPr lang="en-US" smtClean="0"/>
               <a:pPr/>
-              <a:t>1/12/2010</a:t>
+              <a:t>1/19/2010</a:t>
             </a:fld>
             <a:endParaRPr lang="da-DK"/>
           </a:p>
@@ -2567,7 +2820,7 @@
             <a:fld id="{DD09C360-10AD-4B5E-BF9F-FAB61C3D4D92}" type="slidenum">
               <a:rPr lang="da-DK" smtClean="0"/>
               <a:pPr/>
-              <a:t>‹#›</a:t>
+              <a:t>‹nr.›</a:t>
             </a:fld>
             <a:endParaRPr lang="da-DK"/>
           </a:p>
@@ -2798,7 +3051,7 @@
             <a:fld id="{3E57D7DC-7299-43C9-BAE2-F335855B8707}" type="datetimeFigureOut">
               <a:rPr lang="en-US" smtClean="0"/>
               <a:pPr/>
-              <a:t>1/12/2010</a:t>
+              <a:t>1/19/2010</a:t>
             </a:fld>
             <a:endParaRPr lang="da-DK"/>
           </a:p>
@@ -2841,7 +3094,7 @@
             <a:fld id="{DD09C360-10AD-4B5E-BF9F-FAB61C3D4D92}" type="slidenum">
               <a:rPr lang="da-DK" smtClean="0"/>
               <a:pPr/>
-              <a:t>‹#›</a:t>
+              <a:t>‹nr.›</a:t>
             </a:fld>
             <a:endParaRPr lang="da-DK"/>
           </a:p>
@@ -3048,7 +3301,7 @@
             <a:fld id="{3E57D7DC-7299-43C9-BAE2-F335855B8707}" type="datetimeFigureOut">
               <a:rPr lang="en-US" smtClean="0"/>
               <a:pPr/>
-              <a:t>1/12/2010</a:t>
+              <a:t>1/19/2010</a:t>
             </a:fld>
             <a:endParaRPr lang="da-DK"/>
           </a:p>
@@ -3091,7 +3344,7 @@
             <a:fld id="{DD09C360-10AD-4B5E-BF9F-FAB61C3D4D92}" type="slidenum">
               <a:rPr lang="da-DK" smtClean="0"/>
               <a:pPr/>
-              <a:t>‹#›</a:t>
+              <a:t>‹nr.›</a:t>
             </a:fld>
             <a:endParaRPr lang="da-DK"/>
           </a:p>
@@ -3258,7 +3511,7 @@
             <a:fld id="{3E57D7DC-7299-43C9-BAE2-F335855B8707}" type="datetimeFigureOut">
               <a:rPr lang="en-US" smtClean="0"/>
               <a:pPr/>
-              <a:t>1/12/2010</a:t>
+              <a:t>1/19/2010</a:t>
             </a:fld>
             <a:endParaRPr lang="da-DK"/>
           </a:p>
@@ -3337,7 +3590,7 @@
             <a:fld id="{DD09C360-10AD-4B5E-BF9F-FAB61C3D4D92}" type="slidenum">
               <a:rPr lang="da-DK" smtClean="0"/>
               <a:pPr/>
-              <a:t>‹#›</a:t>
+              <a:t>‹nr.›</a:t>
             </a:fld>
             <a:endParaRPr lang="da-DK"/>
           </a:p>
@@ -3681,6 +3934,73 @@
 </p:sld>
 </file>
 
+<file path=ppt/slides/slide10.xml><?xml version="1.0" encoding="utf-8"?>
+<p:sld xmlns:a="http://schemas.openxmlformats.org/drawingml/2006/main" xmlns:r="http://schemas.openxmlformats.org/officeDocument/2006/relationships" xmlns:p="http://schemas.openxmlformats.org/presentationml/2006/main">
+  <p:cSld>
+    <p:spTree>
+      <p:nvGrpSpPr>
+        <p:cNvPr id="1" name=""/>
+        <p:cNvGrpSpPr/>
+        <p:nvPr/>
+      </p:nvGrpSpPr>
+      <p:grpSpPr>
+        <a:xfrm>
+          <a:off x="0" y="0"/>
+          <a:ext cx="0" cy="0"/>
+          <a:chOff x="0" y="0"/>
+          <a:chExt cx="0" cy="0"/>
+        </a:xfrm>
+      </p:grpSpPr>
+      <p:sp>
+        <p:nvSpPr>
+          <p:cNvPr id="2" name="Title 1"/>
+          <p:cNvSpPr>
+            <a:spLocks noGrp="1"/>
+          </p:cNvSpPr>
+          <p:nvPr>
+            <p:ph type="title"/>
+          </p:nvPr>
+        </p:nvSpPr>
+        <p:spPr/>
+        <p:txBody>
+          <a:bodyPr/>
+          <a:lstStyle/>
+          <a:p>
+            <a:r>
+              <a:rPr lang="en-US" dirty="0" smtClean="0"/>
+              <a:t>Questions?</a:t>
+            </a:r>
+            <a:endParaRPr lang="en-US" dirty="0"/>
+          </a:p>
+        </p:txBody>
+      </p:sp>
+      <p:sp>
+        <p:nvSpPr>
+          <p:cNvPr id="3" name="Content Placeholder 2"/>
+          <p:cNvSpPr>
+            <a:spLocks noGrp="1"/>
+          </p:cNvSpPr>
+          <p:nvPr>
+            <p:ph idx="1"/>
+          </p:nvPr>
+        </p:nvSpPr>
+        <p:spPr/>
+        <p:txBody>
+          <a:bodyPr/>
+          <a:lstStyle/>
+          <a:p>
+            <a:endParaRPr lang="da-DK" dirty="0"/>
+          </a:p>
+        </p:txBody>
+      </p:sp>
+    </p:spTree>
+  </p:cSld>
+  <p:clrMapOvr>
+    <a:masterClrMapping/>
+  </p:clrMapOvr>
+</p:sld>
+</file>
+
 <file path=ppt/slides/slide2.xml><?xml version="1.0" encoding="utf-8"?>
 <p:sld xmlns:a="http://schemas.openxmlformats.org/drawingml/2006/main" xmlns:r="http://schemas.openxmlformats.org/officeDocument/2006/relationships" xmlns:p="http://schemas.openxmlformats.org/presentationml/2006/main">
   <p:cSld>
@@ -3842,7 +4162,7 @@
           <p:nvPr/>
         </p:nvPicPr>
         <p:blipFill>
-          <a:blip r:embed="rId2"/>
+          <a:blip r:embed="rId2" cstate="print"/>
           <a:srcRect/>
           <a:stretch>
             <a:fillRect/>
@@ -3964,7 +4284,7 @@
           <p:nvPr/>
         </p:nvPicPr>
         <p:blipFill>
-          <a:blip r:embed="rId2"/>
+          <a:blip r:embed="rId2" cstate="print"/>
           <a:srcRect/>
           <a:stretch>
             <a:fillRect/>
@@ -4256,39 +4576,93 @@
           <a:p>
             <a:r>
               <a:rPr lang="en-US" dirty="0" smtClean="0"/>
-              <a:t>Use</a:t>
-            </a:r>
+              <a:t>Our program</a:t>
+            </a:r>
+            <a:endParaRPr lang="en-US" dirty="0"/>
+          </a:p>
+        </p:txBody>
+      </p:sp>
+      <p:sp>
+        <p:nvSpPr>
+          <p:cNvPr id="3" name="Content Placeholder 2"/>
+          <p:cNvSpPr>
+            <a:spLocks noGrp="1"/>
+          </p:cNvSpPr>
+          <p:nvPr>
+            <p:ph idx="1"/>
+          </p:nvPr>
+        </p:nvSpPr>
+        <p:spPr/>
+        <p:txBody>
+          <a:bodyPr/>
+          <a:lstStyle/>
+          <a:p>
             <a:r>
               <a:rPr lang="da-DK" dirty="0" smtClean="0"/>
-              <a:t> i</a:t>
-            </a:r>
-            <a:r>
-              <a:rPr lang="en-US" dirty="0" smtClean="0"/>
-              <a:t>n our program</a:t>
-            </a:r>
-            <a:endParaRPr lang="en-US" dirty="0"/>
-          </a:p>
-        </p:txBody>
-      </p:sp>
-      <p:sp>
-        <p:nvSpPr>
-          <p:cNvPr id="3" name="Content Placeholder 2"/>
-          <p:cNvSpPr>
-            <a:spLocks noGrp="1"/>
-          </p:cNvSpPr>
-          <p:nvPr>
-            <p:ph idx="1"/>
-          </p:nvPr>
-        </p:nvSpPr>
-        <p:spPr/>
-        <p:txBody>
-          <a:bodyPr/>
-          <a:lstStyle/>
-          <a:p>
-            <a:endParaRPr lang="da-DK"/>
-          </a:p>
-        </p:txBody>
-      </p:sp>
+              <a:t>Black Jack Game</a:t>
+            </a:r>
+          </a:p>
+          <a:p>
+            <a:endParaRPr lang="da-DK" dirty="0" smtClean="0"/>
+          </a:p>
+          <a:p>
+            <a:r>
+              <a:rPr lang="da-DK" dirty="0" smtClean="0"/>
+              <a:t>Log</a:t>
+            </a:r>
+          </a:p>
+          <a:p>
+            <a:r>
+              <a:rPr lang="da-DK" dirty="0" smtClean="0"/>
+              <a:t>Save Log</a:t>
+            </a:r>
+          </a:p>
+          <a:p>
+            <a:r>
+              <a:rPr lang="da-DK" dirty="0" smtClean="0"/>
+              <a:t>Beting</a:t>
+            </a:r>
+          </a:p>
+          <a:p>
+            <a:r>
+              <a:rPr lang="da-DK" dirty="0" smtClean="0"/>
+              <a:t>Hit</a:t>
+            </a:r>
+          </a:p>
+          <a:p>
+            <a:r>
+              <a:rPr lang="da-DK" dirty="0" smtClean="0"/>
+              <a:t>Stand</a:t>
+            </a:r>
+          </a:p>
+        </p:txBody>
+      </p:sp>
+      <p:pic>
+        <p:nvPicPr>
+          <p:cNvPr id="1026" name="Picture 2" descr="C:\Users\Martin\Desktop\Personal\Civil 3 Semester\projectwork\OOPExam\appScreenshot.png"/>
+          <p:cNvPicPr>
+            <a:picLocks noChangeAspect="1" noChangeArrowheads="1"/>
+          </p:cNvPicPr>
+          <p:nvPr/>
+        </p:nvPicPr>
+        <p:blipFill>
+          <a:blip r:embed="rId2" cstate="print"/>
+          <a:srcRect/>
+          <a:stretch>
+            <a:fillRect/>
+          </a:stretch>
+        </p:blipFill>
+        <p:spPr bwMode="auto">
+          <a:xfrm>
+            <a:off x="2714612" y="2500306"/>
+            <a:ext cx="6207028" cy="3430838"/>
+          </a:xfrm>
+          <a:prstGeom prst="rect">
+            <a:avLst/>
+          </a:prstGeom>
+          <a:noFill/>
+        </p:spPr>
+      </p:pic>
     </p:spTree>
   </p:cSld>
   <p:clrMapOvr>
@@ -4331,15 +4705,7 @@
           <a:p>
             <a:r>
               <a:rPr lang="en-US" dirty="0" smtClean="0"/>
-              <a:t>Use</a:t>
-            </a:r>
-            <a:r>
-              <a:rPr lang="da-DK" dirty="0" smtClean="0"/>
-              <a:t> i</a:t>
-            </a:r>
-            <a:r>
-              <a:rPr lang="en-US" dirty="0" smtClean="0"/>
-              <a:t>n our program</a:t>
+              <a:t>Our program</a:t>
             </a:r>
             <a:endParaRPr lang="en-US" dirty="0"/>
           </a:p>
@@ -4355,15 +4721,46 @@
             <p:ph idx="1"/>
           </p:nvPr>
         </p:nvSpPr>
-        <p:spPr/>
-        <p:txBody>
-          <a:bodyPr/>
-          <a:lstStyle/>
-          <a:p>
-            <a:endParaRPr lang="da-DK"/>
-          </a:p>
-        </p:txBody>
-      </p:sp>
+        <p:spPr>
+          <a:xfrm>
+            <a:off x="457200" y="1600200"/>
+            <a:ext cx="8229600" cy="4400568"/>
+          </a:xfrm>
+        </p:spPr>
+        <p:txBody>
+          <a:bodyPr/>
+          <a:lstStyle/>
+          <a:p>
+            <a:endParaRPr lang="en-US" dirty="0"/>
+          </a:p>
+        </p:txBody>
+      </p:sp>
+      <p:pic>
+        <p:nvPicPr>
+          <p:cNvPr id="2050" name="Picture 2" descr="C:\Users\Martin\Desktop\Personal\Civil 3 Semester\projectwork\OOPExam\classDiagram.png"/>
+          <p:cNvPicPr>
+            <a:picLocks noChangeAspect="1" noChangeArrowheads="1"/>
+          </p:cNvPicPr>
+          <p:nvPr/>
+        </p:nvPicPr>
+        <p:blipFill>
+          <a:blip r:embed="rId3" cstate="print"/>
+          <a:srcRect/>
+          <a:stretch>
+            <a:fillRect/>
+          </a:stretch>
+        </p:blipFill>
+        <p:spPr bwMode="auto">
+          <a:xfrm>
+            <a:off x="4214810" y="2928934"/>
+            <a:ext cx="4430954" cy="3286148"/>
+          </a:xfrm>
+          <a:prstGeom prst="rect">
+            <a:avLst/>
+          </a:prstGeom>
+          <a:noFill/>
+        </p:spPr>
+      </p:pic>
     </p:spTree>
   </p:cSld>
   <p:clrMapOvr>

--- a/OOPExam/02 Inheritance and Polymorphism.pptx
+++ b/OOPExam/02 Inheritance and Polymorphism.pptx
@@ -635,17 +635,9 @@
               </a:rPr>
               <a:t>What is a polymorphic method?</a:t>
             </a:r>
-            <a:endParaRPr lang="en-US" sz="1200" kern="1200" smtClean="0">
-              <a:solidFill>
-                <a:schemeClr val="tx1"/>
-              </a:solidFill>
-              <a:latin typeface="+mn-lt"/>
-              <a:ea typeface="+mn-ea"/>
-              <a:cs typeface="+mn-cs"/>
-            </a:endParaRPr>
-          </a:p>
-          <a:p>
-            <a:endParaRPr lang="en-US"/>
+          </a:p>
+          <a:p>
+            <a:endParaRPr lang="en-US" dirty="0"/>
           </a:p>
         </p:txBody>
       </p:sp>
@@ -682,6 +674,182 @@
 </file>
 
 <file path=ppt/notesSlides/notesSlide2.xml><?xml version="1.0" encoding="utf-8"?>
+<p:notes xmlns:a="http://schemas.openxmlformats.org/drawingml/2006/main" xmlns:r="http://schemas.openxmlformats.org/officeDocument/2006/relationships" xmlns:p="http://schemas.openxmlformats.org/presentationml/2006/main">
+  <p:cSld>
+    <p:spTree>
+      <p:nvGrpSpPr>
+        <p:cNvPr id="1" name=""/>
+        <p:cNvGrpSpPr/>
+        <p:nvPr/>
+      </p:nvGrpSpPr>
+      <p:grpSpPr>
+        <a:xfrm>
+          <a:off x="0" y="0"/>
+          <a:ext cx="0" cy="0"/>
+          <a:chOff x="0" y="0"/>
+          <a:chExt cx="0" cy="0"/>
+        </a:xfrm>
+      </p:grpSpPr>
+      <p:sp>
+        <p:nvSpPr>
+          <p:cNvPr id="2" name="Pladsholder til diasbillede 1"/>
+          <p:cNvSpPr>
+            <a:spLocks noGrp="1" noRot="1" noChangeAspect="1"/>
+          </p:cNvSpPr>
+          <p:nvPr>
+            <p:ph type="sldImg"/>
+          </p:nvPr>
+        </p:nvSpPr>
+        <p:spPr/>
+      </p:sp>
+      <p:sp>
+        <p:nvSpPr>
+          <p:cNvPr id="3" name="Pladsholder til noter 2"/>
+          <p:cNvSpPr>
+            <a:spLocks noGrp="1"/>
+          </p:cNvSpPr>
+          <p:nvPr>
+            <p:ph type="body" idx="1"/>
+          </p:nvPr>
+        </p:nvSpPr>
+        <p:spPr/>
+        <p:txBody>
+          <a:bodyPr>
+            <a:normAutofit/>
+          </a:bodyPr>
+          <a:lstStyle/>
+          <a:p>
+            <a:r>
+              <a:rPr lang="en-US" sz="1200" kern="1200" baseline="0" noProof="0" dirty="0" smtClean="0">
+                <a:solidFill>
+                  <a:schemeClr val="tx1"/>
+                </a:solidFill>
+                <a:latin typeface="+mn-lt"/>
+                <a:ea typeface="+mn-ea"/>
+                <a:cs typeface="+mn-cs"/>
+              </a:rPr>
+              <a:t>C# has two separate mechanisms for writing code that is reusable across different types: inheritance and generics.</a:t>
+            </a:r>
+          </a:p>
+          <a:p>
+            <a:pPr marL="0" marR="0" indent="0" algn="l" defTabSz="914400" rtl="0" eaLnBrk="1" fontAlgn="auto" latinLnBrk="0" hangingPunct="1">
+              <a:lnSpc>
+                <a:spcPct val="100000"/>
+              </a:lnSpc>
+              <a:spcBef>
+                <a:spcPts val="0"/>
+              </a:spcBef>
+              <a:spcAft>
+                <a:spcPts val="0"/>
+              </a:spcAft>
+              <a:buClrTx/>
+              <a:buSzTx/>
+              <a:buFontTx/>
+              <a:buNone/>
+              <a:tabLst/>
+              <a:defRPr/>
+            </a:pPr>
+            <a:r>
+              <a:rPr lang="en-US" sz="1200" kern="1200" baseline="0" noProof="0" dirty="0" smtClean="0">
+                <a:solidFill>
+                  <a:schemeClr val="tx1"/>
+                </a:solidFill>
+                <a:latin typeface="+mn-lt"/>
+                <a:ea typeface="+mn-ea"/>
+                <a:cs typeface="+mn-cs"/>
+              </a:rPr>
+              <a:t>Inheritance is used for </a:t>
+            </a:r>
+            <a:r>
+              <a:rPr lang="en-US" noProof="0" dirty="0" smtClean="0"/>
+              <a:t>Generalization and Specialization</a:t>
+            </a:r>
+            <a:r>
+              <a:rPr lang="en-US" baseline="0" noProof="0" dirty="0" smtClean="0"/>
+              <a:t> of code.</a:t>
+            </a:r>
+            <a:endParaRPr lang="en-US" sz="1200" kern="1200" baseline="0" noProof="0" dirty="0" smtClean="0">
+              <a:solidFill>
+                <a:schemeClr val="tx1"/>
+              </a:solidFill>
+              <a:latin typeface="+mn-lt"/>
+              <a:ea typeface="+mn-ea"/>
+              <a:cs typeface="+mn-cs"/>
+            </a:endParaRPr>
+          </a:p>
+          <a:p>
+            <a:r>
+              <a:rPr lang="en-US" sz="1200" kern="1200" baseline="0" noProof="0" dirty="0" smtClean="0">
+                <a:solidFill>
+                  <a:schemeClr val="tx1"/>
+                </a:solidFill>
+                <a:latin typeface="+mn-lt"/>
+                <a:ea typeface="+mn-ea"/>
+                <a:cs typeface="+mn-cs"/>
+              </a:rPr>
+              <a:t>Saying that ListBox inherits from (or derives from) Control indicates that it specializes Control. Control is referred to as the </a:t>
+            </a:r>
+            <a:r>
+              <a:rPr lang="en-US" sz="1200" i="1" kern="1200" baseline="0" noProof="0" dirty="0" smtClean="0">
+                <a:solidFill>
+                  <a:schemeClr val="tx1"/>
+                </a:solidFill>
+                <a:latin typeface="+mn-lt"/>
+                <a:ea typeface="+mn-ea"/>
+                <a:cs typeface="+mn-cs"/>
+              </a:rPr>
+              <a:t>base class, and ListBox is referred to as the derived class.</a:t>
+            </a:r>
+          </a:p>
+          <a:p>
+            <a:r>
+              <a:rPr lang="en-US" sz="1200" kern="1200" baseline="0" noProof="0" dirty="0" smtClean="0">
+                <a:solidFill>
+                  <a:schemeClr val="tx1"/>
+                </a:solidFill>
+                <a:latin typeface="+mn-lt"/>
+                <a:ea typeface="+mn-ea"/>
+                <a:cs typeface="+mn-cs"/>
+              </a:rPr>
+              <a:t>This code declares a new class, ListBox, which derives from Control. You can read the colon as “derives from.”</a:t>
+            </a:r>
+            <a:endParaRPr lang="en-US" noProof="0" dirty="0"/>
+          </a:p>
+        </p:txBody>
+      </p:sp>
+      <p:sp>
+        <p:nvSpPr>
+          <p:cNvPr id="4" name="Pladsholder til diasnummer 3"/>
+          <p:cNvSpPr>
+            <a:spLocks noGrp="1"/>
+          </p:cNvSpPr>
+          <p:nvPr>
+            <p:ph type="sldNum" sz="quarter" idx="10"/>
+          </p:nvPr>
+        </p:nvSpPr>
+        <p:spPr/>
+        <p:txBody>
+          <a:bodyPr/>
+          <a:lstStyle/>
+          <a:p>
+            <a:fld id="{1479D3CE-7FA4-44E4-AED3-CF283C2B74AC}" type="slidenum">
+              <a:rPr lang="en-US" smtClean="0"/>
+              <a:pPr/>
+              <a:t>2</a:t>
+            </a:fld>
+            <a:endParaRPr lang="en-US"/>
+          </a:p>
+        </p:txBody>
+      </p:sp>
+    </p:spTree>
+  </p:cSld>
+  <p:clrMapOvr>
+    <a:masterClrMapping/>
+  </p:clrMapOvr>
+</p:notes>
+</file>
+
+<file path=ppt/notesSlides/notesSlide3.xml><?xml version="1.0" encoding="utf-8"?>
 <p:notes xmlns:a="http://schemas.openxmlformats.org/drawingml/2006/main" xmlns:r="http://schemas.openxmlformats.org/officeDocument/2006/relationships" xmlns:p="http://schemas.openxmlformats.org/presentationml/2006/main">
   <p:cSld>
     <p:spTree>
@@ -3900,10 +4068,10 @@
           <a:lstStyle/>
           <a:p>
             <a:r>
-              <a:rPr lang="en-US" b="1" smtClean="0"/>
+              <a:rPr lang="en-US" b="1" dirty="0" smtClean="0"/>
               <a:t>#02 Inheritance and Polymorphism</a:t>
             </a:r>
-            <a:endParaRPr lang="en-US"/>
+            <a:endParaRPr lang="en-US" dirty="0"/>
           </a:p>
         </p:txBody>
       </p:sp>
@@ -4035,7 +4203,7 @@
           <a:p>
             <a:r>
               <a:rPr lang="en-US" dirty="0" smtClean="0"/>
-              <a:t>Class</a:t>
+              <a:t>Inheritance</a:t>
             </a:r>
             <a:endParaRPr lang="en-US" dirty="0"/>
           </a:p>
@@ -4056,10 +4224,83 @@
           <a:bodyPr/>
           <a:lstStyle/>
           <a:p>
-            <a:endParaRPr lang="da-DK"/>
-          </a:p>
-        </p:txBody>
-      </p:sp>
+            <a:r>
+              <a:rPr lang="en-US" dirty="0" smtClean="0"/>
+              <a:t>Generalization and </a:t>
+            </a:r>
+            <a:r>
+              <a:rPr lang="en-US" dirty="0" smtClean="0"/>
+              <a:t>Specialization</a:t>
+            </a:r>
+          </a:p>
+          <a:p>
+            <a:pPr lvl="1"/>
+            <a:r>
+              <a:rPr lang="en-US" dirty="0" smtClean="0"/>
+              <a:t>writing code that is </a:t>
+            </a:r>
+            <a:r>
+              <a:rPr lang="en-US" dirty="0" smtClean="0"/>
+              <a:t>reusable</a:t>
+            </a:r>
+          </a:p>
+          <a:p>
+            <a:endParaRPr lang="en-US" sz="2000" dirty="0" smtClean="0"/>
+          </a:p>
+          <a:p>
+            <a:r>
+              <a:rPr lang="en-US" dirty="0" smtClean="0"/>
+              <a:t>new class, ListBox, which derives from </a:t>
+            </a:r>
+            <a:r>
+              <a:rPr lang="en-US" dirty="0" smtClean="0"/>
+              <a:t>Control</a:t>
+            </a:r>
+          </a:p>
+          <a:p>
+            <a:endParaRPr lang="en-US" dirty="0" smtClean="0"/>
+          </a:p>
+          <a:p>
+            <a:r>
+              <a:rPr lang="en-US" dirty="0" smtClean="0"/>
+              <a:t>C# does not allow multiple inheritance, but does allow implementing multiple interfaces</a:t>
+            </a:r>
+            <a:endParaRPr lang="da-DK" dirty="0"/>
+          </a:p>
+        </p:txBody>
+      </p:sp>
+      <p:pic>
+        <p:nvPicPr>
+          <p:cNvPr id="1026" name="Picture 2"/>
+          <p:cNvPicPr>
+            <a:picLocks noChangeAspect="1" noChangeArrowheads="1"/>
+          </p:cNvPicPr>
+          <p:nvPr/>
+        </p:nvPicPr>
+        <p:blipFill>
+          <a:blip r:embed="rId3" cstate="print"/>
+          <a:srcRect/>
+          <a:stretch>
+            <a:fillRect/>
+          </a:stretch>
+        </p:blipFill>
+        <p:spPr bwMode="auto">
+          <a:xfrm>
+            <a:off x="928662" y="2857496"/>
+            <a:ext cx="3436755" cy="219076"/>
+          </a:xfrm>
+          <a:prstGeom prst="rect">
+            <a:avLst/>
+          </a:prstGeom>
+          <a:noFill/>
+          <a:ln w="9525">
+            <a:noFill/>
+            <a:miter lim="800000"/>
+            <a:headEnd/>
+            <a:tailEnd/>
+          </a:ln>
+        </p:spPr>
+      </p:pic>
     </p:spTree>
   </p:cSld>
   <p:clrMapOvr>
@@ -4102,7 +4343,11 @@
           <a:p>
             <a:r>
               <a:rPr lang="en-US" dirty="0" smtClean="0"/>
-              <a:t>Class Example and Visibility</a:t>
+              <a:t>Hierarchy </a:t>
+            </a:r>
+            <a:r>
+              <a:rPr lang="en-US" dirty="0" smtClean="0"/>
+              <a:t>and Single Inheritance</a:t>
             </a:r>
             <a:endParaRPr lang="en-US" dirty="0"/>
           </a:p>
@@ -4155,7 +4400,7 @@
       </p:sp>
       <p:pic>
         <p:nvPicPr>
-          <p:cNvPr id="1028" name="Picture 4"/>
+          <p:cNvPr id="2050" name="Picture 2"/>
           <p:cNvPicPr>
             <a:picLocks noChangeAspect="1" noChangeArrowheads="1"/>
           </p:cNvPicPr>
@@ -4170,8 +4415,8 @@
         </p:blipFill>
         <p:spPr bwMode="auto">
           <a:xfrm>
-            <a:off x="571472" y="2143116"/>
-            <a:ext cx="5648325" cy="4505325"/>
+            <a:off x="1285852" y="2285992"/>
+            <a:ext cx="2514600" cy="2324100"/>
           </a:xfrm>
           <a:prstGeom prst="rect">
             <a:avLst/>
@@ -4183,7 +4428,6 @@
             <a:headEnd/>
             <a:tailEnd/>
           </a:ln>
-          <a:effectLst/>
         </p:spPr>
       </p:pic>
     </p:spTree>
@@ -4228,7 +4472,7 @@
           <a:p>
             <a:r>
               <a:rPr lang="en-US" dirty="0" smtClean="0"/>
-              <a:t>Interfaces</a:t>
+              <a:t>Static and Dynamic</a:t>
             </a:r>
             <a:endParaRPr lang="en-US" dirty="0"/>
           </a:p>
@@ -4249,65 +4493,10 @@
           <a:bodyPr/>
           <a:lstStyle/>
           <a:p>
-            <a:r>
-              <a:rPr lang="en-US" dirty="0" smtClean="0"/>
-              <a:t>“An </a:t>
-            </a:r>
-            <a:r>
-              <a:rPr lang="en-US" i="1" dirty="0" smtClean="0"/>
-              <a:t>interface is a contract that guarantees to a client how a class will behave”</a:t>
-            </a:r>
-          </a:p>
-          <a:p>
-            <a:endParaRPr lang="en-US" i="1" dirty="0" smtClean="0"/>
-          </a:p>
-          <a:p>
-            <a:r>
-              <a:rPr lang="en-US" dirty="0" smtClean="0"/>
-              <a:t>A Class can implement more the one interface</a:t>
-            </a:r>
-          </a:p>
-          <a:p>
-            <a:r>
-              <a:rPr lang="en-US" dirty="0" smtClean="0"/>
-              <a:t>Interfaces can be extended and combined</a:t>
-            </a:r>
-          </a:p>
-        </p:txBody>
-      </p:sp>
-      <p:pic>
-        <p:nvPicPr>
-          <p:cNvPr id="2050" name="Picture 2"/>
-          <p:cNvPicPr>
-            <a:picLocks noChangeAspect="1" noChangeArrowheads="1"/>
-          </p:cNvPicPr>
-          <p:nvPr/>
-        </p:nvPicPr>
-        <p:blipFill>
-          <a:blip r:embed="rId2" cstate="print"/>
-          <a:srcRect/>
-          <a:stretch>
-            <a:fillRect/>
-          </a:stretch>
-        </p:blipFill>
-        <p:spPr bwMode="auto">
-          <a:xfrm>
-            <a:off x="3000364" y="5286388"/>
-            <a:ext cx="2967818" cy="1104902"/>
-          </a:xfrm>
-          <a:prstGeom prst="rect">
-            <a:avLst/>
-          </a:prstGeom>
-          <a:noFill/>
-          <a:ln w="9525">
-            <a:noFill/>
-            <a:miter lim="800000"/>
-            <a:headEnd/>
-            <a:tailEnd/>
-          </a:ln>
-          <a:effectLst/>
-        </p:spPr>
-      </p:pic>
+            <a:endParaRPr lang="en-US" dirty="0" smtClean="0"/>
+          </a:p>
+        </p:txBody>
+      </p:sp>
     </p:spTree>
   </p:cSld>
   <p:clrMapOvr>
@@ -4350,7 +4539,7 @@
           <a:p>
             <a:r>
               <a:rPr lang="en-US" dirty="0" smtClean="0"/>
-              <a:t>Abstract Class</a:t>
+              <a:t>Polymorphism</a:t>
             </a:r>
             <a:endParaRPr lang="en-US" dirty="0"/>
           </a:p>
@@ -4417,7 +4606,7 @@
           <a:p>
             <a:r>
               <a:rPr lang="en-US" dirty="0" smtClean="0"/>
-              <a:t>Abstract Class Vs Interface</a:t>
+              <a:t>Binding</a:t>
             </a:r>
             <a:endParaRPr lang="en-US" dirty="0"/>
           </a:p>
@@ -4484,7 +4673,11 @@
           <a:p>
             <a:r>
               <a:rPr lang="en-US" dirty="0" smtClean="0"/>
-              <a:t>Garbage Collector</a:t>
+              <a:t>Polymorphic </a:t>
+            </a:r>
+            <a:r>
+              <a:rPr lang="en-US" dirty="0" smtClean="0"/>
+              <a:t>method</a:t>
             </a:r>
             <a:endParaRPr lang="en-US" dirty="0"/>
           </a:p>
@@ -4505,31 +4698,6 @@
           <a:bodyPr/>
           <a:lstStyle/>
           <a:p>
-            <a:r>
-              <a:rPr lang="en-US" dirty="0" smtClean="0"/>
-              <a:t>C# performs automatic garbage collection</a:t>
-            </a:r>
-          </a:p>
-          <a:p>
-            <a:pPr lvl="1"/>
-            <a:r>
-              <a:rPr lang="en-US" dirty="0" smtClean="0"/>
-              <a:t>Collection/removing objects that are marked as garbage</a:t>
-            </a:r>
-          </a:p>
-          <a:p>
-            <a:pPr lvl="1"/>
-            <a:r>
-              <a:rPr lang="en-US" dirty="0" smtClean="0"/>
-              <a:t>Object that no longer has a reference</a:t>
-            </a:r>
-          </a:p>
-          <a:p>
-            <a:pPr lvl="1"/>
-            <a:r>
-              <a:rPr lang="en-US" dirty="0" smtClean="0"/>
-              <a:t>C# programmers don’t need to worry about explicitly reclaiming memory that has become garbage </a:t>
-            </a:r>
             <a:endParaRPr lang="en-US" dirty="0"/>
           </a:p>
         </p:txBody>

--- a/OOPExam/02 Inheritance and Polymorphism.pptx
+++ b/OOPExam/02 Inheritance and Polymorphism.pptx
@@ -749,6 +749,33 @@
               <a:tabLst/>
               <a:defRPr/>
             </a:pPr>
+            <a:endParaRPr lang="en-US" sz="1200" kern="1200" baseline="0" noProof="0" dirty="0" smtClean="0">
+              <a:solidFill>
+                <a:schemeClr val="tx1"/>
+              </a:solidFill>
+              <a:latin typeface="+mn-lt"/>
+              <a:ea typeface="+mn-ea"/>
+              <a:cs typeface="+mn-cs"/>
+            </a:endParaRPr>
+          </a:p>
+          <a:p>
+            <a:pPr marL="0" marR="0" indent="0" algn="l" defTabSz="914400" rtl="0" eaLnBrk="1" fontAlgn="auto" latinLnBrk="0" hangingPunct="1">
+              <a:lnSpc>
+                <a:spcPct val="100000"/>
+              </a:lnSpc>
+              <a:spcBef>
+                <a:spcPts val="0"/>
+              </a:spcBef>
+              <a:spcAft>
+                <a:spcPts val="0"/>
+              </a:spcAft>
+              <a:buClrTx/>
+              <a:buSzTx/>
+              <a:buFontTx/>
+              <a:buNone/>
+              <a:tabLst/>
+              <a:defRPr/>
+            </a:pPr>
             <a:r>
               <a:rPr lang="en-US" sz="1200" kern="1200" baseline="0" noProof="0" dirty="0" smtClean="0">
                 <a:solidFill>
@@ -768,6 +795,53 @@
               <a:rPr lang="en-US" baseline="0" noProof="0" dirty="0" smtClean="0"/>
               <a:t> of code.</a:t>
             </a:r>
+          </a:p>
+          <a:p>
+            <a:r>
+              <a:rPr lang="en-US" sz="1200" kern="1200" baseline="0" dirty="0" smtClean="0">
+                <a:solidFill>
+                  <a:schemeClr val="tx1"/>
+                </a:solidFill>
+                <a:latin typeface="+mn-lt"/>
+                <a:ea typeface="+mn-ea"/>
+                <a:cs typeface="+mn-cs"/>
+              </a:rPr>
+              <a:t>Classes and their instances (objects) don’t exist in a vacuum, but rather in a network of interdependencies and relationships, just as we, as social animals, live in a world of relationships and categories.</a:t>
+            </a:r>
+          </a:p>
+          <a:p>
+            <a:r>
+              <a:rPr lang="en-US" sz="1200" kern="1200" baseline="0" dirty="0" smtClean="0">
+                <a:solidFill>
+                  <a:schemeClr val="tx1"/>
+                </a:solidFill>
+                <a:latin typeface="+mn-lt"/>
+                <a:ea typeface="+mn-ea"/>
+                <a:cs typeface="+mn-cs"/>
+              </a:rPr>
+              <a:t>The </a:t>
+            </a:r>
+            <a:r>
+              <a:rPr lang="en-US" sz="1200" i="1" kern="1200" baseline="0" dirty="0" smtClean="0">
+                <a:solidFill>
+                  <a:schemeClr val="tx1"/>
+                </a:solidFill>
+                <a:latin typeface="+mn-lt"/>
+                <a:ea typeface="+mn-ea"/>
+                <a:cs typeface="+mn-cs"/>
+              </a:rPr>
+              <a:t>is-a relationship is one of specialization.</a:t>
+            </a:r>
+            <a:endParaRPr lang="en-US" sz="1200" kern="1200" baseline="0" noProof="0" dirty="0" smtClean="0">
+              <a:solidFill>
+                <a:schemeClr val="tx1"/>
+              </a:solidFill>
+              <a:latin typeface="+mn-lt"/>
+              <a:ea typeface="+mn-ea"/>
+              <a:cs typeface="+mn-cs"/>
+            </a:endParaRPr>
+          </a:p>
+          <a:p>
             <a:endParaRPr lang="en-US" sz="1200" kern="1200" baseline="0" noProof="0" dirty="0" smtClean="0">
               <a:solidFill>
                 <a:schemeClr val="tx1"/>
@@ -850,6 +924,520 @@
 </file>
 
 <file path=ppt/notesSlides/notesSlide3.xml><?xml version="1.0" encoding="utf-8"?>
+<p:notes xmlns:a="http://schemas.openxmlformats.org/drawingml/2006/main" xmlns:r="http://schemas.openxmlformats.org/officeDocument/2006/relationships" xmlns:p="http://schemas.openxmlformats.org/presentationml/2006/main">
+  <p:cSld>
+    <p:spTree>
+      <p:nvGrpSpPr>
+        <p:cNvPr id="1" name=""/>
+        <p:cNvGrpSpPr/>
+        <p:nvPr/>
+      </p:nvGrpSpPr>
+      <p:grpSpPr>
+        <a:xfrm>
+          <a:off x="0" y="0"/>
+          <a:ext cx="0" cy="0"/>
+          <a:chOff x="0" y="0"/>
+          <a:chExt cx="0" cy="0"/>
+        </a:xfrm>
+      </p:grpSpPr>
+      <p:sp>
+        <p:nvSpPr>
+          <p:cNvPr id="2" name="Pladsholder til diasbillede 1"/>
+          <p:cNvSpPr>
+            <a:spLocks noGrp="1" noRot="1" noChangeAspect="1"/>
+          </p:cNvSpPr>
+          <p:nvPr>
+            <p:ph type="sldImg"/>
+          </p:nvPr>
+        </p:nvSpPr>
+        <p:spPr/>
+      </p:sp>
+      <p:sp>
+        <p:nvSpPr>
+          <p:cNvPr id="3" name="Pladsholder til noter 2"/>
+          <p:cNvSpPr>
+            <a:spLocks noGrp="1"/>
+          </p:cNvSpPr>
+          <p:nvPr>
+            <p:ph type="body" idx="1"/>
+          </p:nvPr>
+        </p:nvSpPr>
+        <p:spPr/>
+        <p:txBody>
+          <a:bodyPr>
+            <a:normAutofit/>
+          </a:bodyPr>
+          <a:lstStyle/>
+          <a:p>
+            <a:r>
+              <a:rPr lang="en-US" dirty="0" smtClean="0"/>
+              <a:t>In </a:t>
+            </a:r>
+            <a:r>
+              <a:rPr lang="en-US" dirty="0" smtClean="0">
+                <a:hlinkClick r:id="rId3" tooltip="Object-oriented"/>
+              </a:rPr>
+              <a:t>object-oriented</a:t>
+            </a:r>
+            <a:r>
+              <a:rPr lang="en-US" dirty="0" smtClean="0"/>
+              <a:t> </a:t>
+            </a:r>
+            <a:r>
+              <a:rPr lang="en-US" dirty="0" smtClean="0">
+                <a:hlinkClick r:id="rId4" tooltip="Programming language"/>
+              </a:rPr>
+              <a:t>programming languages</a:t>
+            </a:r>
+            <a:r>
+              <a:rPr lang="en-US" dirty="0" smtClean="0"/>
+              <a:t> with </a:t>
+            </a:r>
+            <a:r>
+              <a:rPr lang="en-US" dirty="0" smtClean="0">
+                <a:hlinkClick r:id="rId5" tooltip="Multiple inheritance"/>
+              </a:rPr>
+              <a:t>multiple inheritance</a:t>
+            </a:r>
+            <a:r>
+              <a:rPr lang="en-US" dirty="0" smtClean="0"/>
+              <a:t> and knowledge organization, the </a:t>
+            </a:r>
+            <a:r>
+              <a:rPr lang="en-US" b="1" dirty="0" smtClean="0"/>
+              <a:t>diamond problem</a:t>
+            </a:r>
+            <a:r>
+              <a:rPr lang="en-US" dirty="0" smtClean="0"/>
+              <a:t> is an ambiguity that arises when two </a:t>
+            </a:r>
+            <a:r>
+              <a:rPr lang="en-US" dirty="0" smtClean="0">
+                <a:hlinkClick r:id="rId6" tooltip="Class (computer science)"/>
+              </a:rPr>
+              <a:t>classes</a:t>
+            </a:r>
+            <a:r>
+              <a:rPr lang="en-US" dirty="0" smtClean="0"/>
+              <a:t> B and C </a:t>
+            </a:r>
+            <a:r>
+              <a:rPr lang="en-US" dirty="0" smtClean="0">
+                <a:hlinkClick r:id="rId7" tooltip="Inheritance (computer science)"/>
+              </a:rPr>
+              <a:t>inherit</a:t>
+            </a:r>
+            <a:r>
+              <a:rPr lang="en-US" dirty="0" smtClean="0"/>
+              <a:t> from A, and class D inherits from both B</a:t>
+            </a:r>
+            <a:r>
+              <a:rPr lang="en-US" baseline="0" dirty="0" smtClean="0"/>
+              <a:t> </a:t>
+            </a:r>
+            <a:r>
+              <a:rPr lang="en-US" dirty="0" smtClean="0"/>
+              <a:t>and C. If a </a:t>
+            </a:r>
+            <a:r>
+              <a:rPr lang="en-US" dirty="0" smtClean="0">
+                <a:hlinkClick r:id="rId8" tooltip="Method (computer science)"/>
+              </a:rPr>
+              <a:t>method</a:t>
+            </a:r>
+            <a:r>
+              <a:rPr lang="en-US" dirty="0" smtClean="0"/>
+              <a:t> in D calls a method defined in A (and does not </a:t>
+            </a:r>
+            <a:r>
+              <a:rPr lang="en-US" dirty="0" smtClean="0">
+                <a:hlinkClick r:id="rId9" tooltip="Method overriding (programming)"/>
+              </a:rPr>
+              <a:t>override</a:t>
+            </a:r>
+            <a:r>
+              <a:rPr lang="en-US" dirty="0" smtClean="0"/>
+              <a:t> the method), and B and C have overridden that method differently, then from which class does it inherit: B, or C?</a:t>
+            </a:r>
+            <a:endParaRPr lang="en-US" dirty="0"/>
+          </a:p>
+        </p:txBody>
+      </p:sp>
+      <p:sp>
+        <p:nvSpPr>
+          <p:cNvPr id="4" name="Pladsholder til diasnummer 3"/>
+          <p:cNvSpPr>
+            <a:spLocks noGrp="1"/>
+          </p:cNvSpPr>
+          <p:nvPr>
+            <p:ph type="sldNum" sz="quarter" idx="10"/>
+          </p:nvPr>
+        </p:nvSpPr>
+        <p:spPr/>
+        <p:txBody>
+          <a:bodyPr/>
+          <a:lstStyle/>
+          <a:p>
+            <a:fld id="{1479D3CE-7FA4-44E4-AED3-CF283C2B74AC}" type="slidenum">
+              <a:rPr lang="en-US" smtClean="0"/>
+              <a:pPr/>
+              <a:t>3</a:t>
+            </a:fld>
+            <a:endParaRPr lang="en-US"/>
+          </a:p>
+        </p:txBody>
+      </p:sp>
+    </p:spTree>
+  </p:cSld>
+  <p:clrMapOvr>
+    <a:masterClrMapping/>
+  </p:clrMapOvr>
+</p:notes>
+</file>
+
+<file path=ppt/notesSlides/notesSlide4.xml><?xml version="1.0" encoding="utf-8"?>
+<p:notes xmlns:a="http://schemas.openxmlformats.org/drawingml/2006/main" xmlns:r="http://schemas.openxmlformats.org/officeDocument/2006/relationships" xmlns:p="http://schemas.openxmlformats.org/presentationml/2006/main">
+  <p:cSld>
+    <p:spTree>
+      <p:nvGrpSpPr>
+        <p:cNvPr id="1" name=""/>
+        <p:cNvGrpSpPr/>
+        <p:nvPr/>
+      </p:nvGrpSpPr>
+      <p:grpSpPr>
+        <a:xfrm>
+          <a:off x="0" y="0"/>
+          <a:ext cx="0" cy="0"/>
+          <a:chOff x="0" y="0"/>
+          <a:chExt cx="0" cy="0"/>
+        </a:xfrm>
+      </p:grpSpPr>
+      <p:sp>
+        <p:nvSpPr>
+          <p:cNvPr id="2" name="Pladsholder til diasbillede 1"/>
+          <p:cNvSpPr>
+            <a:spLocks noGrp="1" noRot="1" noChangeAspect="1"/>
+          </p:cNvSpPr>
+          <p:nvPr>
+            <p:ph type="sldImg"/>
+          </p:nvPr>
+        </p:nvSpPr>
+        <p:spPr/>
+      </p:sp>
+      <p:sp>
+        <p:nvSpPr>
+          <p:cNvPr id="3" name="Pladsholder til noter 2"/>
+          <p:cNvSpPr>
+            <a:spLocks noGrp="1"/>
+          </p:cNvSpPr>
+          <p:nvPr>
+            <p:ph type="body" idx="1"/>
+          </p:nvPr>
+        </p:nvSpPr>
+        <p:spPr/>
+        <p:txBody>
+          <a:bodyPr>
+            <a:normAutofit/>
+          </a:bodyPr>
+          <a:lstStyle/>
+          <a:p>
+            <a:r>
+              <a:rPr lang="en-US" dirty="0" smtClean="0"/>
+              <a:t>Assigning data types (</a:t>
+            </a:r>
+            <a:r>
+              <a:rPr lang="en-US" i="1" dirty="0" smtClean="0"/>
+              <a:t>typing</a:t>
+            </a:r>
+            <a:r>
+              <a:rPr lang="en-US" dirty="0" smtClean="0"/>
+              <a:t>) gives meaning to collections of </a:t>
+            </a:r>
+            <a:r>
+              <a:rPr lang="en-US" dirty="0" smtClean="0">
+                <a:hlinkClick r:id="rId3" tooltip="Bit"/>
+              </a:rPr>
+              <a:t>bits</a:t>
+            </a:r>
+            <a:r>
+              <a:rPr lang="en-US" dirty="0" smtClean="0"/>
+              <a:t>. </a:t>
+            </a:r>
+          </a:p>
+          <a:p>
+            <a:endParaRPr lang="en-US" dirty="0" smtClean="0"/>
+          </a:p>
+          <a:p>
+            <a:r>
+              <a:rPr lang="en-US" dirty="0" smtClean="0"/>
+              <a:t>Static</a:t>
+            </a:r>
+            <a:r>
+              <a:rPr lang="en-US" baseline="0" dirty="0" smtClean="0"/>
+              <a:t>: </a:t>
+            </a:r>
+            <a:r>
+              <a:rPr lang="en-US" dirty="0" smtClean="0"/>
+              <a:t>A programming language is said to use static typing when type checking is performed during compile-time as opposed to run-time. In static typing, types are associated with variables not values. Static typing is a limited form of </a:t>
+            </a:r>
+            <a:r>
+              <a:rPr lang="en-US" dirty="0" smtClean="0">
+                <a:hlinkClick r:id="rId4" tooltip="Program verification"/>
+              </a:rPr>
+              <a:t>program verification</a:t>
+            </a:r>
+            <a:r>
+              <a:rPr lang="en-US" dirty="0" smtClean="0"/>
+              <a:t> (see </a:t>
+            </a:r>
+            <a:r>
+              <a:rPr lang="en-US" dirty="0" smtClean="0">
+                <a:hlinkClick r:id="rId5" tooltip="Type safety"/>
+              </a:rPr>
+              <a:t>type safety</a:t>
+            </a:r>
+            <a:r>
+              <a:rPr lang="en-US" dirty="0" smtClean="0"/>
+              <a:t>): accordingly, it allows many type errors to be </a:t>
+            </a:r>
+            <a:r>
+              <a:rPr lang="en-US" dirty="0" smtClean="0">
+                <a:hlinkClick r:id="rId6" tooltip="Fail-fast"/>
+              </a:rPr>
+              <a:t>caught early</a:t>
+            </a:r>
+            <a:r>
+              <a:rPr lang="en-US" dirty="0" smtClean="0"/>
+              <a:t> in the development cycle. Program execution may also be made more efficient (i.e. faster or taking reduced memory) by omitting runtime type checks and enabling other optimizations.</a:t>
+            </a:r>
+          </a:p>
+          <a:p>
+            <a:endParaRPr lang="en-US" dirty="0" smtClean="0"/>
+          </a:p>
+          <a:p>
+            <a:r>
+              <a:rPr lang="en-US" dirty="0" smtClean="0"/>
+              <a:t>Dynamic: A programming language is said to be dynamically typed, when the majority of its type checking is performed at run-time as opposed to at compile-time. In dynamic typing, types are associated with values not variables. Compared to static typing, dynamic typing can be more flexible (e.g. by allowing programs to generate types and functionality based on run-time data), though at the expense of fewer a priori guarantees.</a:t>
+            </a:r>
+            <a:endParaRPr lang="en-US" dirty="0"/>
+          </a:p>
+        </p:txBody>
+      </p:sp>
+      <p:sp>
+        <p:nvSpPr>
+          <p:cNvPr id="4" name="Pladsholder til diasnummer 3"/>
+          <p:cNvSpPr>
+            <a:spLocks noGrp="1"/>
+          </p:cNvSpPr>
+          <p:nvPr>
+            <p:ph type="sldNum" sz="quarter" idx="10"/>
+          </p:nvPr>
+        </p:nvSpPr>
+        <p:spPr/>
+        <p:txBody>
+          <a:bodyPr/>
+          <a:lstStyle/>
+          <a:p>
+            <a:fld id="{1479D3CE-7FA4-44E4-AED3-CF283C2B74AC}" type="slidenum">
+              <a:rPr lang="en-US" smtClean="0"/>
+              <a:pPr/>
+              <a:t>4</a:t>
+            </a:fld>
+            <a:endParaRPr lang="en-US"/>
+          </a:p>
+        </p:txBody>
+      </p:sp>
+    </p:spTree>
+  </p:cSld>
+  <p:clrMapOvr>
+    <a:masterClrMapping/>
+  </p:clrMapOvr>
+</p:notes>
+</file>
+
+<file path=ppt/notesSlides/notesSlide5.xml><?xml version="1.0" encoding="utf-8"?>
+<p:notes xmlns:a="http://schemas.openxmlformats.org/drawingml/2006/main" xmlns:r="http://schemas.openxmlformats.org/officeDocument/2006/relationships" xmlns:p="http://schemas.openxmlformats.org/presentationml/2006/main">
+  <p:cSld>
+    <p:spTree>
+      <p:nvGrpSpPr>
+        <p:cNvPr id="1" name=""/>
+        <p:cNvGrpSpPr/>
+        <p:nvPr/>
+      </p:nvGrpSpPr>
+      <p:grpSpPr>
+        <a:xfrm>
+          <a:off x="0" y="0"/>
+          <a:ext cx="0" cy="0"/>
+          <a:chOff x="0" y="0"/>
+          <a:chExt cx="0" cy="0"/>
+        </a:xfrm>
+      </p:grpSpPr>
+      <p:sp>
+        <p:nvSpPr>
+          <p:cNvPr id="2" name="Pladsholder til diasbillede 1"/>
+          <p:cNvSpPr>
+            <a:spLocks noGrp="1" noRot="1" noChangeAspect="1"/>
+          </p:cNvSpPr>
+          <p:nvPr>
+            <p:ph type="sldImg"/>
+          </p:nvPr>
+        </p:nvSpPr>
+        <p:spPr/>
+      </p:sp>
+      <p:sp>
+        <p:nvSpPr>
+          <p:cNvPr id="3" name="Pladsholder til noter 2"/>
+          <p:cNvSpPr>
+            <a:spLocks noGrp="1"/>
+          </p:cNvSpPr>
+          <p:nvPr>
+            <p:ph type="body" idx="1"/>
+          </p:nvPr>
+        </p:nvSpPr>
+        <p:spPr/>
+        <p:txBody>
+          <a:bodyPr>
+            <a:normAutofit/>
+          </a:bodyPr>
+          <a:lstStyle/>
+          <a:p>
+            <a:r>
+              <a:rPr lang="en-US" sz="1200" kern="1200" baseline="0" dirty="0" smtClean="0">
+                <a:solidFill>
+                  <a:schemeClr val="tx1"/>
+                </a:solidFill>
+                <a:latin typeface="+mn-lt"/>
+                <a:ea typeface="+mn-ea"/>
+                <a:cs typeface="+mn-cs"/>
+              </a:rPr>
+              <a:t>There are two powerful aspects to inheritance. One is code reuse. When you create a ListBox class, you’re able to reuse some of the logic in the base (Control) class. What is arguably more powerful, however, is the second aspect of inheritance: </a:t>
+            </a:r>
+            <a:r>
+              <a:rPr lang="en-US" sz="1200" i="1" kern="1200" baseline="0" dirty="0" smtClean="0">
+                <a:solidFill>
+                  <a:schemeClr val="tx1"/>
+                </a:solidFill>
+                <a:latin typeface="+mn-lt"/>
+                <a:ea typeface="+mn-ea"/>
+                <a:cs typeface="+mn-cs"/>
+              </a:rPr>
+              <a:t>polymorphism. Poly means “many” and morph means “form.” Thus, polymorphism </a:t>
+            </a:r>
+            <a:r>
+              <a:rPr lang="en-US" sz="1200" kern="1200" baseline="0" dirty="0" smtClean="0">
+                <a:solidFill>
+                  <a:schemeClr val="tx1"/>
+                </a:solidFill>
+                <a:latin typeface="+mn-lt"/>
+                <a:ea typeface="+mn-ea"/>
+                <a:cs typeface="+mn-cs"/>
+              </a:rPr>
+              <a:t>refers to being able to use many forms of a type without regard to the details.</a:t>
+            </a:r>
+          </a:p>
+          <a:p>
+            <a:endParaRPr lang="en-US" sz="1200" kern="1200" baseline="0" dirty="0" smtClean="0">
+              <a:solidFill>
+                <a:schemeClr val="tx1"/>
+              </a:solidFill>
+              <a:latin typeface="+mn-lt"/>
+              <a:ea typeface="+mn-ea"/>
+              <a:cs typeface="+mn-cs"/>
+            </a:endParaRPr>
+          </a:p>
+          <a:p>
+            <a:r>
+              <a:rPr lang="en-US" sz="1200" kern="1200" baseline="0" dirty="0" smtClean="0">
+                <a:solidFill>
+                  <a:schemeClr val="tx1"/>
+                </a:solidFill>
+                <a:latin typeface="+mn-lt"/>
+                <a:ea typeface="+mn-ea"/>
+                <a:cs typeface="+mn-cs"/>
+              </a:rPr>
+              <a:t>For example, a form might want to keep a collection of all the instances of Control it manages so that when the form is opened, it can tell each of its Controls to draw itself. For this operation, the form doesn’t want to know which elements are </a:t>
+            </a:r>
+            <a:r>
+              <a:rPr lang="en-US" sz="1200" kern="1200" baseline="0" dirty="0" err="1" smtClean="0">
+                <a:solidFill>
+                  <a:schemeClr val="tx1"/>
+                </a:solidFill>
+                <a:latin typeface="+mn-lt"/>
+                <a:ea typeface="+mn-ea"/>
+                <a:cs typeface="+mn-cs"/>
+              </a:rPr>
+              <a:t>listboxes</a:t>
+            </a:r>
+            <a:r>
+              <a:rPr lang="en-US" sz="1200" kern="1200" baseline="0" dirty="0" smtClean="0">
+                <a:solidFill>
+                  <a:schemeClr val="tx1"/>
+                </a:solidFill>
+                <a:latin typeface="+mn-lt"/>
+                <a:ea typeface="+mn-ea"/>
+                <a:cs typeface="+mn-cs"/>
+              </a:rPr>
+              <a:t> and which are buttons; it just wants to tick through its collection and tell each to “draw.” In short, the form wants to treat all its Control objects </a:t>
+            </a:r>
+            <a:r>
+              <a:rPr lang="en-US" sz="1200" kern="1200" baseline="0" dirty="0" err="1" smtClean="0">
+                <a:solidFill>
+                  <a:schemeClr val="tx1"/>
+                </a:solidFill>
+                <a:latin typeface="+mn-lt"/>
+                <a:ea typeface="+mn-ea"/>
+                <a:cs typeface="+mn-cs"/>
+              </a:rPr>
+              <a:t>polymorphically</a:t>
+            </a:r>
+            <a:r>
+              <a:rPr lang="en-US" sz="1200" kern="1200" baseline="0" dirty="0" smtClean="0">
+                <a:solidFill>
+                  <a:schemeClr val="tx1"/>
+                </a:solidFill>
+                <a:latin typeface="+mn-lt"/>
+                <a:ea typeface="+mn-ea"/>
+                <a:cs typeface="+mn-cs"/>
+              </a:rPr>
+              <a:t>.</a:t>
+            </a:r>
+            <a:endParaRPr lang="en-US" dirty="0"/>
+          </a:p>
+        </p:txBody>
+      </p:sp>
+      <p:sp>
+        <p:nvSpPr>
+          <p:cNvPr id="4" name="Pladsholder til diasnummer 3"/>
+          <p:cNvSpPr>
+            <a:spLocks noGrp="1"/>
+          </p:cNvSpPr>
+          <p:nvPr>
+            <p:ph type="sldNum" sz="quarter" idx="10"/>
+          </p:nvPr>
+        </p:nvSpPr>
+        <p:spPr/>
+        <p:txBody>
+          <a:bodyPr/>
+          <a:lstStyle/>
+          <a:p>
+            <a:fld id="{1479D3CE-7FA4-44E4-AED3-CF283C2B74AC}" type="slidenum">
+              <a:rPr lang="en-US" smtClean="0"/>
+              <a:pPr/>
+              <a:t>5</a:t>
+            </a:fld>
+            <a:endParaRPr lang="en-US"/>
+          </a:p>
+        </p:txBody>
+      </p:sp>
+    </p:spTree>
+  </p:cSld>
+  <p:clrMapOvr>
+    <a:masterClrMapping/>
+  </p:clrMapOvr>
+</p:notes>
+</file>
+
+<file path=ppt/notesSlides/notesSlide6.xml><?xml version="1.0" encoding="utf-8"?>
 <p:notes xmlns:a="http://schemas.openxmlformats.org/drawingml/2006/main" xmlns:r="http://schemas.openxmlformats.org/officeDocument/2006/relationships" xmlns:p="http://schemas.openxmlformats.org/presentationml/2006/main">
   <p:cSld>
     <p:spTree>
@@ -4226,7 +4814,25 @@
           <a:p>
             <a:r>
               <a:rPr lang="en-US" dirty="0" smtClean="0"/>
-              <a:t>Generalization and </a:t>
+              <a:t>Interdependencies </a:t>
+            </a:r>
+            <a:r>
+              <a:rPr lang="en-US" dirty="0" smtClean="0"/>
+              <a:t>and </a:t>
+            </a:r>
+            <a:r>
+              <a:rPr lang="en-US" dirty="0" smtClean="0"/>
+              <a:t>Relationships</a:t>
+            </a:r>
+          </a:p>
+          <a:p>
+            <a:r>
+              <a:rPr lang="en-US" dirty="0" smtClean="0"/>
+              <a:t>Generalization </a:t>
+            </a:r>
+            <a:r>
+              <a:rPr lang="en-US" dirty="0" smtClean="0"/>
+              <a:t>and </a:t>
             </a:r>
             <a:r>
               <a:rPr lang="en-US" dirty="0" smtClean="0"/>
@@ -4256,16 +4862,6 @@
               <a:rPr lang="en-US" dirty="0" smtClean="0"/>
               <a:t>Control</a:t>
             </a:r>
-          </a:p>
-          <a:p>
-            <a:endParaRPr lang="en-US" dirty="0" smtClean="0"/>
-          </a:p>
-          <a:p>
-            <a:r>
-              <a:rPr lang="en-US" dirty="0" smtClean="0"/>
-              <a:t>C# does not allow multiple inheritance, but does allow implementing multiple interfaces</a:t>
-            </a:r>
-            <a:endParaRPr lang="da-DK" dirty="0"/>
           </a:p>
         </p:txBody>
       </p:sp>
@@ -4286,7 +4882,7 @@
         </p:blipFill>
         <p:spPr bwMode="auto">
           <a:xfrm>
-            <a:off x="928662" y="2857496"/>
+            <a:off x="928662" y="3357562"/>
             <a:ext cx="3436755" cy="219076"/>
           </a:xfrm>
           <a:prstGeom prst="rect">
@@ -4368,6 +4964,24 @@
           <a:bodyPr/>
           <a:lstStyle/>
           <a:p>
+            <a:r>
+              <a:rPr lang="en-US" dirty="0" smtClean="0"/>
+              <a:t>C# does not allow multiple inheritance, but does allow implementing multiple interfaces</a:t>
+            </a:r>
+            <a:endParaRPr lang="da-DK" dirty="0" smtClean="0"/>
+          </a:p>
+          <a:p>
+            <a:endParaRPr lang="da-DK" dirty="0" smtClean="0"/>
+          </a:p>
+          <a:p>
+            <a:r>
+              <a:rPr lang="da-DK" dirty="0" smtClean="0"/>
+              <a:t>Semantic </a:t>
+            </a:r>
+            <a:r>
+              <a:rPr lang="da-DK" dirty="0" smtClean="0"/>
+              <a:t>ambiguity</a:t>
+            </a:r>
             <a:endParaRPr lang="da-DK" dirty="0"/>
           </a:p>
         </p:txBody>
@@ -4407,7 +5021,7 @@
           <p:nvPr/>
         </p:nvPicPr>
         <p:blipFill>
-          <a:blip r:embed="rId2" cstate="print"/>
+          <a:blip r:embed="rId3" cstate="print"/>
           <a:srcRect/>
           <a:stretch>
             <a:fillRect/>
@@ -4415,8 +5029,40 @@
         </p:blipFill>
         <p:spPr bwMode="auto">
           <a:xfrm>
-            <a:off x="1285852" y="2285992"/>
+            <a:off x="857224" y="4000504"/>
             <a:ext cx="2514600" cy="2324100"/>
+          </a:xfrm>
+          <a:prstGeom prst="rect">
+            <a:avLst/>
+          </a:prstGeom>
+          <a:noFill/>
+          <a:ln w="9525">
+            <a:noFill/>
+            <a:miter lim="800000"/>
+            <a:headEnd/>
+            <a:tailEnd/>
+          </a:ln>
+        </p:spPr>
+      </p:pic>
+      <p:pic>
+        <p:nvPicPr>
+          <p:cNvPr id="2051" name="Picture 3"/>
+          <p:cNvPicPr>
+            <a:picLocks noChangeAspect="1" noChangeArrowheads="1"/>
+          </p:cNvPicPr>
+          <p:nvPr/>
+        </p:nvPicPr>
+        <p:blipFill>
+          <a:blip r:embed="rId4" cstate="print"/>
+          <a:srcRect/>
+          <a:stretch>
+            <a:fillRect/>
+          </a:stretch>
+        </p:blipFill>
+        <p:spPr bwMode="auto">
+          <a:xfrm>
+            <a:off x="6143636" y="3500438"/>
+            <a:ext cx="1724025" cy="2552700"/>
           </a:xfrm>
           <a:prstGeom prst="rect">
             <a:avLst/>
@@ -4488,11 +5134,70 @@
             <p:ph idx="1"/>
           </p:nvPr>
         </p:nvSpPr>
-        <p:spPr/>
-        <p:txBody>
-          <a:bodyPr/>
-          <a:lstStyle/>
-          <a:p>
+        <p:spPr>
+          <a:xfrm>
+            <a:off x="457200" y="1600200"/>
+            <a:ext cx="8229600" cy="5257800"/>
+          </a:xfrm>
+        </p:spPr>
+        <p:txBody>
+          <a:bodyPr>
+            <a:normAutofit/>
+          </a:bodyPr>
+          <a:lstStyle/>
+          <a:p>
+            <a:r>
+              <a:rPr lang="en-US" dirty="0" smtClean="0"/>
+              <a:t>Static</a:t>
+            </a:r>
+          </a:p>
+          <a:p>
+            <a:pPr lvl="1"/>
+            <a:r>
+              <a:rPr lang="en-US" dirty="0" smtClean="0"/>
+              <a:t>Compile-time type checking</a:t>
+            </a:r>
+          </a:p>
+          <a:p>
+            <a:pPr lvl="1"/>
+            <a:r>
+              <a:rPr lang="en-US" dirty="0" smtClean="0"/>
+              <a:t>Early type checking</a:t>
+            </a:r>
+          </a:p>
+          <a:p>
+            <a:pPr lvl="1"/>
+            <a:r>
+              <a:rPr lang="en-US" dirty="0" smtClean="0"/>
+              <a:t>Types are variables</a:t>
+            </a:r>
+          </a:p>
+          <a:p>
+            <a:r>
+              <a:rPr lang="en-US" dirty="0" smtClean="0"/>
+              <a:t>Dynamic</a:t>
+            </a:r>
+          </a:p>
+          <a:p>
+            <a:pPr lvl="1"/>
+            <a:r>
+              <a:rPr lang="en-US" dirty="0" smtClean="0"/>
+              <a:t>Runtime type checking</a:t>
+            </a:r>
+          </a:p>
+          <a:p>
+            <a:pPr lvl="1"/>
+            <a:r>
+              <a:rPr lang="en-US" dirty="0" smtClean="0"/>
+              <a:t>Types are values</a:t>
+            </a:r>
+            <a:endParaRPr lang="en-US" dirty="0" smtClean="0"/>
+          </a:p>
+          <a:p>
+            <a:r>
+              <a:rPr lang="en-US" dirty="0" smtClean="0"/>
+              <a:t>C# is a statically type language, but in C# 4.0 it is possible to bypass type checking</a:t>
+            </a:r>
             <a:endParaRPr lang="en-US" dirty="0" smtClean="0"/>
           </a:p>
         </p:txBody>
@@ -4538,29 +5243,41 @@
           <a:lstStyle/>
           <a:p>
             <a:r>
+              <a:rPr lang="en-US" smtClean="0"/>
+              <a:t>Polymorphism</a:t>
+            </a:r>
+            <a:endParaRPr lang="en-US"/>
+          </a:p>
+        </p:txBody>
+      </p:sp>
+      <p:sp>
+        <p:nvSpPr>
+          <p:cNvPr id="3" name="Content Placeholder 2"/>
+          <p:cNvSpPr>
+            <a:spLocks noGrp="1"/>
+          </p:cNvSpPr>
+          <p:nvPr>
+            <p:ph idx="1"/>
+          </p:nvPr>
+        </p:nvSpPr>
+        <p:spPr/>
+        <p:txBody>
+          <a:bodyPr/>
+          <a:lstStyle/>
+          <a:p>
+            <a:r>
               <a:rPr lang="en-US" dirty="0" smtClean="0"/>
-              <a:t>Polymorphism</a:t>
+              <a:t>Many </a:t>
+            </a:r>
+            <a:r>
+              <a:rPr lang="en-US" dirty="0" smtClean="0"/>
+              <a:t>f</a:t>
+            </a:r>
+            <a:r>
+              <a:rPr lang="en-US" dirty="0" smtClean="0"/>
+              <a:t>orms</a:t>
             </a:r>
             <a:endParaRPr lang="en-US" dirty="0"/>
-          </a:p>
-        </p:txBody>
-      </p:sp>
-      <p:sp>
-        <p:nvSpPr>
-          <p:cNvPr id="3" name="Content Placeholder 2"/>
-          <p:cNvSpPr>
-            <a:spLocks noGrp="1"/>
-          </p:cNvSpPr>
-          <p:nvPr>
-            <p:ph idx="1"/>
-          </p:nvPr>
-        </p:nvSpPr>
-        <p:spPr/>
-        <p:txBody>
-          <a:bodyPr/>
-          <a:lstStyle/>
-          <a:p>
-            <a:endParaRPr lang="da-DK"/>
           </a:p>
         </p:txBody>
       </p:sp>

--- a/OOPExam/02 Inheritance and Polymorphism.pptx
+++ b/OOPExam/02 Inheritance and Polymorphism.pptx
@@ -12,8 +12,8 @@
     <p:sldId id="257" r:id="rId3"/>
     <p:sldId id="261" r:id="rId4"/>
     <p:sldId id="259" r:id="rId5"/>
-    <p:sldId id="258" r:id="rId6"/>
-    <p:sldId id="264" r:id="rId7"/>
+    <p:sldId id="264" r:id="rId6"/>
+    <p:sldId id="258" r:id="rId7"/>
     <p:sldId id="262" r:id="rId8"/>
     <p:sldId id="265" r:id="rId9"/>
     <p:sldId id="266" r:id="rId10"/>
@@ -1297,7 +1297,7 @@
         <p:spPr/>
         <p:txBody>
           <a:bodyPr>
-            <a:normAutofit/>
+            <a:normAutofit fontScale="92500"/>
           </a:bodyPr>
           <a:lstStyle/>
           <a:p>
@@ -1347,6 +1347,88 @@
           </a:p>
           <a:p>
             <a:r>
+              <a:rPr lang="en-US" dirty="0" smtClean="0"/>
+              <a:t>Through inheritance, a </a:t>
+            </a:r>
+            <a:r>
+              <a:rPr lang="en-US" dirty="0" smtClean="0">
+                <a:hlinkClick r:id="rId3"/>
+              </a:rPr>
+              <a:t>class</a:t>
+            </a:r>
+            <a:r>
+              <a:rPr lang="en-US" dirty="0" smtClean="0"/>
+              <a:t> can be used as more than one type; it can be used as its own type, any base types, or any </a:t>
+            </a:r>
+            <a:r>
+              <a:rPr lang="en-US" dirty="0" smtClean="0">
+                <a:hlinkClick r:id="rId4"/>
+              </a:rPr>
+              <a:t>interface</a:t>
+            </a:r>
+            <a:r>
+              <a:rPr lang="en-US" dirty="0" smtClean="0"/>
+              <a:t> type if it implements interfaces. This is called polymorphism. In C#, every type is polymorphic</a:t>
+            </a:r>
+            <a:r>
+              <a:rPr lang="en-US" baseline="0" dirty="0" smtClean="0"/>
+              <a:t> a</a:t>
+            </a:r>
+            <a:r>
+              <a:rPr lang="en-US" dirty="0" smtClean="0"/>
+              <a:t>nd </a:t>
+            </a:r>
+            <a:r>
+              <a:rPr lang="en-US" sz="1200" dirty="0" smtClean="0"/>
+              <a:t>all object references in C# are potentially polymorphic.</a:t>
+            </a:r>
+          </a:p>
+          <a:p>
+            <a:endParaRPr lang="en-US" sz="1200" kern="1200" baseline="0" dirty="0" smtClean="0">
+              <a:solidFill>
+                <a:schemeClr val="tx1"/>
+              </a:solidFill>
+              <a:latin typeface="+mn-lt"/>
+              <a:ea typeface="+mn-ea"/>
+              <a:cs typeface="+mn-cs"/>
+            </a:endParaRPr>
+          </a:p>
+          <a:p>
+            <a:r>
+              <a:rPr lang="en-US" dirty="0" smtClean="0"/>
+              <a:t>Polymorphism is important not only to the derived classes, but to the base classes as well. Anyone using the </a:t>
+            </a:r>
+            <a:r>
+              <a:rPr lang="en-US" dirty="0" smtClean="0">
+                <a:hlinkClick r:id="rId5"/>
+              </a:rPr>
+              <a:t>base</a:t>
+            </a:r>
+            <a:r>
+              <a:rPr lang="en-US" dirty="0" smtClean="0"/>
+              <a:t> class could, in fact, be using an object of the derived class that has been cast to the base class type. Designers of a base class can anticipate the aspects of their base class that are likely to change for a derived type. For example, a base class for cars might contain behavior that is subject to change when the car in question is a minivan or a convertible. A base class can mark those class members as virtual, allowing derived classes representing convertibles and minivans to override that behavior.</a:t>
+            </a:r>
+            <a:endParaRPr lang="en-US" sz="1200" kern="1200" baseline="0" dirty="0" smtClean="0">
+              <a:solidFill>
+                <a:schemeClr val="tx1"/>
+              </a:solidFill>
+              <a:latin typeface="+mn-lt"/>
+              <a:ea typeface="+mn-ea"/>
+              <a:cs typeface="+mn-cs"/>
+            </a:endParaRPr>
+          </a:p>
+          <a:p>
+            <a:endParaRPr lang="en-US" sz="1200" kern="1200" baseline="0" dirty="0" smtClean="0">
+              <a:solidFill>
+                <a:schemeClr val="tx1"/>
+              </a:solidFill>
+              <a:latin typeface="+mn-lt"/>
+              <a:ea typeface="+mn-ea"/>
+              <a:cs typeface="+mn-cs"/>
+            </a:endParaRPr>
+          </a:p>
+          <a:p>
+            <a:r>
               <a:rPr lang="en-US" sz="1200" kern="1200" baseline="0" dirty="0" smtClean="0">
                 <a:solidFill>
                   <a:schemeClr val="tx1"/>
@@ -1423,7 +1505,7 @@
             <a:fld id="{1479D3CE-7FA4-44E4-AED3-CF283C2B74AC}" type="slidenum">
               <a:rPr lang="en-US" smtClean="0"/>
               <a:pPr/>
-              <a:t>5</a:t>
+              <a:t>6</a:t>
             </a:fld>
             <a:endParaRPr lang="en-US"/>
           </a:p>
@@ -5243,10 +5325,10 @@
           <a:lstStyle/>
           <a:p>
             <a:r>
-              <a:rPr lang="en-US" smtClean="0"/>
-              <a:t>Polymorphism</a:t>
-            </a:r>
-            <a:endParaRPr lang="en-US"/>
+              <a:rPr lang="en-US" dirty="0" smtClean="0"/>
+              <a:t>Binding</a:t>
+            </a:r>
+            <a:endParaRPr lang="en-US" dirty="0"/>
           </a:p>
         </p:txBody>
       </p:sp>
@@ -5265,19 +5347,7 @@
           <a:bodyPr/>
           <a:lstStyle/>
           <a:p>
-            <a:r>
-              <a:rPr lang="en-US" dirty="0" smtClean="0"/>
-              <a:t>Many </a:t>
-            </a:r>
-            <a:r>
-              <a:rPr lang="en-US" dirty="0" smtClean="0"/>
-              <a:t>f</a:t>
-            </a:r>
-            <a:r>
-              <a:rPr lang="en-US" dirty="0" smtClean="0"/>
-              <a:t>orms</a:t>
-            </a:r>
-            <a:endParaRPr lang="en-US" dirty="0"/>
+            <a:endParaRPr lang="da-DK"/>
           </a:p>
         </p:txBody>
       </p:sp>
@@ -5322,29 +5392,80 @@
           <a:lstStyle/>
           <a:p>
             <a:r>
+              <a:rPr lang="en-US" smtClean="0"/>
+              <a:t>Polymorphism</a:t>
+            </a:r>
+            <a:endParaRPr lang="en-US"/>
+          </a:p>
+        </p:txBody>
+      </p:sp>
+      <p:sp>
+        <p:nvSpPr>
+          <p:cNvPr id="3" name="Content Placeholder 2"/>
+          <p:cNvSpPr>
+            <a:spLocks noGrp="1"/>
+          </p:cNvSpPr>
+          <p:nvPr>
+            <p:ph idx="1"/>
+          </p:nvPr>
+        </p:nvSpPr>
+        <p:spPr/>
+        <p:txBody>
+          <a:bodyPr/>
+          <a:lstStyle/>
+          <a:p>
+            <a:r>
               <a:rPr lang="en-US" dirty="0" smtClean="0"/>
-              <a:t>Binding</a:t>
-            </a:r>
+              <a:t>Many </a:t>
+            </a:r>
+            <a:r>
+              <a:rPr lang="en-US" dirty="0" smtClean="0"/>
+              <a:t>f</a:t>
+            </a:r>
+            <a:r>
+              <a:rPr lang="en-US" dirty="0" smtClean="0"/>
+              <a:t>orms</a:t>
+            </a:r>
+          </a:p>
+          <a:p>
+            <a:r>
+              <a:rPr lang="en-US" dirty="0" smtClean="0"/>
+              <a:t>A Class can be used as more the one type</a:t>
+            </a:r>
+          </a:p>
+          <a:p>
+            <a:pPr lvl="1"/>
+            <a:r>
+              <a:rPr lang="en-US" dirty="0" smtClean="0"/>
+              <a:t>Its own type</a:t>
+            </a:r>
+          </a:p>
+          <a:p>
+            <a:pPr lvl="1"/>
+            <a:r>
+              <a:rPr lang="en-US" dirty="0" smtClean="0"/>
+              <a:t>Base type</a:t>
+            </a:r>
+          </a:p>
+          <a:p>
+            <a:pPr lvl="1"/>
+            <a:r>
+              <a:rPr lang="en-US" dirty="0" smtClean="0"/>
+              <a:t>Any interface type it implements (if any)</a:t>
+            </a:r>
+            <a:endParaRPr lang="en-US" dirty="0" smtClean="0"/>
+          </a:p>
+          <a:p>
+            <a:r>
+              <a:rPr lang="en-US" dirty="0" smtClean="0"/>
+              <a:t>Implemented via Inheritance or Interface </a:t>
+            </a:r>
+          </a:p>
+          <a:p>
+            <a:endParaRPr lang="en-US" dirty="0" smtClean="0"/>
+          </a:p>
+          <a:p>
             <a:endParaRPr lang="en-US" dirty="0"/>
-          </a:p>
-        </p:txBody>
-      </p:sp>
-      <p:sp>
-        <p:nvSpPr>
-          <p:cNvPr id="3" name="Content Placeholder 2"/>
-          <p:cNvSpPr>
-            <a:spLocks noGrp="1"/>
-          </p:cNvSpPr>
-          <p:nvPr>
-            <p:ph idx="1"/>
-          </p:nvPr>
-        </p:nvSpPr>
-        <p:spPr/>
-        <p:txBody>
-          <a:bodyPr/>
-          <a:lstStyle/>
-          <a:p>
-            <a:endParaRPr lang="da-DK"/>
           </a:p>
         </p:txBody>
       </p:sp>
@@ -5414,6 +5535,12 @@
         <p:txBody>
           <a:bodyPr/>
           <a:lstStyle/>
+          <a:p>
+            <a:r>
+              <a:rPr lang="en-US" dirty="0" smtClean="0"/>
+              <a:t>All object references in C# are potentially polymorphic</a:t>
+            </a:r>
+          </a:p>
           <a:p>
             <a:endParaRPr lang="en-US" dirty="0"/>
           </a:p>

--- a/OOPExam/02 Inheritance and Polymorphism.pptx
+++ b/OOPExam/02 Inheritance and Polymorphism.pptx
@@ -14,7 +14,7 @@
     <p:sldId id="259" r:id="rId5"/>
     <p:sldId id="264" r:id="rId6"/>
     <p:sldId id="258" r:id="rId7"/>
-    <p:sldId id="262" r:id="rId8"/>
+    <p:sldId id="268" r:id="rId8"/>
     <p:sldId id="265" r:id="rId9"/>
     <p:sldId id="266" r:id="rId10"/>
     <p:sldId id="267" r:id="rId11"/>
@@ -1297,193 +1297,75 @@
         <p:spPr/>
         <p:txBody>
           <a:bodyPr>
-            <a:normAutofit fontScale="92500"/>
+            <a:normAutofit/>
           </a:bodyPr>
           <a:lstStyle/>
           <a:p>
             <a:r>
-              <a:rPr lang="en-US" sz="1200" kern="1200" baseline="0" dirty="0" smtClean="0">
-                <a:solidFill>
-                  <a:schemeClr val="tx1"/>
-                </a:solidFill>
-                <a:latin typeface="+mn-lt"/>
-                <a:ea typeface="+mn-ea"/>
-                <a:cs typeface="+mn-cs"/>
+              <a:rPr lang="en-US" dirty="0" smtClean="0"/>
+              <a:t>In </a:t>
+            </a:r>
+            <a:r>
+              <a:rPr lang="en-US" dirty="0" smtClean="0">
+                <a:hlinkClick r:id="rId3" tooltip="Object oriented"/>
               </a:rPr>
-              <a:t>There are two powerful aspects to inheritance. One is code reuse. When you create a ListBox class, you’re able to reuse some of the logic in the base (Control) class. What is arguably more powerful, however, is the second aspect of inheritance: </a:t>
-            </a:r>
-            <a:r>
-              <a:rPr lang="en-US" sz="1200" i="1" kern="1200" baseline="0" dirty="0" smtClean="0">
-                <a:solidFill>
-                  <a:schemeClr val="tx1"/>
-                </a:solidFill>
-                <a:latin typeface="+mn-lt"/>
-                <a:ea typeface="+mn-ea"/>
-                <a:cs typeface="+mn-cs"/>
+              <a:t>object oriented</a:t>
+            </a:r>
+            <a:r>
+              <a:rPr lang="en-US" dirty="0" smtClean="0"/>
+              <a:t> programming, </a:t>
+            </a:r>
+            <a:r>
+              <a:rPr lang="en-US" b="1" dirty="0" smtClean="0"/>
+              <a:t>dynamic binding</a:t>
+            </a:r>
+            <a:r>
+              <a:rPr lang="en-US" dirty="0" smtClean="0"/>
+              <a:t> means determining the exact implementation of a request based on both the request (operation) name and the receiving object at the run-time. It often happens when invoking a </a:t>
+            </a:r>
+            <a:r>
+              <a:rPr lang="en-US" dirty="0" smtClean="0">
+                <a:hlinkClick r:id="rId4" tooltip="Derived class"/>
               </a:rPr>
-              <a:t>polymorphism. Poly means “many” and morph means “form.” Thus, polymorphism </a:t>
-            </a:r>
-            <a:r>
-              <a:rPr lang="en-US" sz="1200" kern="1200" baseline="0" dirty="0" smtClean="0">
-                <a:solidFill>
-                  <a:schemeClr val="tx1"/>
-                </a:solidFill>
-                <a:latin typeface="+mn-lt"/>
-                <a:ea typeface="+mn-ea"/>
-                <a:cs typeface="+mn-cs"/>
+              <a:t>derived class</a:t>
+            </a:r>
+            <a:r>
+              <a:rPr lang="en-US" dirty="0" smtClean="0"/>
+              <a:t>'s member function using a pointer to its super class. The implementation of the derived class will be invoked instead of that of the super class. It allows substituting a particular implementation using the same interface and enables </a:t>
+            </a:r>
+            <a:r>
+              <a:rPr lang="en-US" dirty="0" smtClean="0">
+                <a:hlinkClick r:id="rId5" tooltip="Polymorphism in object-oriented programming"/>
               </a:rPr>
-              <a:t>refers to being able to use many forms of a type without regard to the details.</a:t>
-            </a:r>
-          </a:p>
-          <a:p>
-            <a:endParaRPr lang="en-US" sz="1200" kern="1200" baseline="0" dirty="0" smtClean="0">
-              <a:solidFill>
-                <a:schemeClr val="tx1"/>
-              </a:solidFill>
-              <a:latin typeface="+mn-lt"/>
-              <a:ea typeface="+mn-ea"/>
-              <a:cs typeface="+mn-cs"/>
-            </a:endParaRPr>
-          </a:p>
-          <a:p>
-            <a:r>
-              <a:rPr lang="en-US" dirty="0" smtClean="0"/>
-              <a:t>Through inheritance, a </a:t>
-            </a:r>
-            <a:r>
-              <a:rPr lang="en-US" dirty="0" smtClean="0">
-                <a:hlinkClick r:id="rId3"/>
-              </a:rPr>
-              <a:t>class</a:t>
-            </a:r>
-            <a:r>
-              <a:rPr lang="en-US" dirty="0" smtClean="0"/>
-              <a:t> can be used as more than one type; it can be used as its own type, any base types, or any </a:t>
-            </a:r>
-            <a:r>
-              <a:rPr lang="en-US" dirty="0" smtClean="0">
-                <a:hlinkClick r:id="rId4"/>
-              </a:rPr>
-              <a:t>interface</a:t>
-            </a:r>
-            <a:r>
-              <a:rPr lang="en-US" dirty="0" smtClean="0"/>
-              <a:t> type if it implements interfaces. This is called polymorphism. In C#, every type is polymorphic</a:t>
-            </a:r>
-            <a:r>
-              <a:rPr lang="en-US" baseline="0" dirty="0" smtClean="0"/>
-              <a:t> a</a:t>
-            </a:r>
-            <a:r>
-              <a:rPr lang="en-US" dirty="0" smtClean="0"/>
-              <a:t>nd </a:t>
-            </a:r>
-            <a:r>
-              <a:rPr lang="en-US" sz="1200" dirty="0" smtClean="0"/>
-              <a:t>all object references in C# are potentially polymorphic.</a:t>
-            </a:r>
-          </a:p>
-          <a:p>
-            <a:endParaRPr lang="en-US" sz="1200" kern="1200" baseline="0" dirty="0" smtClean="0">
-              <a:solidFill>
-                <a:schemeClr val="tx1"/>
-              </a:solidFill>
-              <a:latin typeface="+mn-lt"/>
-              <a:ea typeface="+mn-ea"/>
-              <a:cs typeface="+mn-cs"/>
-            </a:endParaRPr>
-          </a:p>
-          <a:p>
-            <a:r>
-              <a:rPr lang="en-US" dirty="0" smtClean="0"/>
-              <a:t>Polymorphism is important not only to the derived classes, but to the base classes as well. Anyone using the </a:t>
-            </a:r>
-            <a:r>
-              <a:rPr lang="en-US" dirty="0" smtClean="0">
-                <a:hlinkClick r:id="rId5"/>
-              </a:rPr>
-              <a:t>base</a:t>
-            </a:r>
-            <a:r>
-              <a:rPr lang="en-US" dirty="0" smtClean="0"/>
-              <a:t> class could, in fact, be using an object of the derived class that has been cast to the base class type. Designers of a base class can anticipate the aspects of their base class that are likely to change for a derived type. For example, a base class for cars might contain behavior that is subject to change when the car in question is a minivan or a convertible. A base class can mark those class members as virtual, allowing derived classes representing convertibles and minivans to override that behavior.</a:t>
-            </a:r>
-            <a:endParaRPr lang="en-US" sz="1200" kern="1200" baseline="0" dirty="0" smtClean="0">
-              <a:solidFill>
-                <a:schemeClr val="tx1"/>
-              </a:solidFill>
-              <a:latin typeface="+mn-lt"/>
-              <a:ea typeface="+mn-ea"/>
-              <a:cs typeface="+mn-cs"/>
-            </a:endParaRPr>
-          </a:p>
-          <a:p>
-            <a:endParaRPr lang="en-US" sz="1200" kern="1200" baseline="0" dirty="0" smtClean="0">
-              <a:solidFill>
-                <a:schemeClr val="tx1"/>
-              </a:solidFill>
-              <a:latin typeface="+mn-lt"/>
-              <a:ea typeface="+mn-ea"/>
-              <a:cs typeface="+mn-cs"/>
-            </a:endParaRPr>
-          </a:p>
-          <a:p>
-            <a:r>
-              <a:rPr lang="en-US" sz="1200" kern="1200" baseline="0" dirty="0" smtClean="0">
-                <a:solidFill>
-                  <a:schemeClr val="tx1"/>
-                </a:solidFill>
-                <a:latin typeface="+mn-lt"/>
-                <a:ea typeface="+mn-ea"/>
-                <a:cs typeface="+mn-cs"/>
-              </a:rPr>
-              <a:t>For example, a form might want to keep a collection of all the instances of Control it manages so that when the form is opened, it can tell each of its Controls to draw itself. For this operation, the form doesn’t want to know which elements are </a:t>
-            </a:r>
-            <a:r>
-              <a:rPr lang="en-US" sz="1200" kern="1200" baseline="0" dirty="0" err="1" smtClean="0">
-                <a:solidFill>
-                  <a:schemeClr val="tx1"/>
-                </a:solidFill>
-                <a:latin typeface="+mn-lt"/>
-                <a:ea typeface="+mn-ea"/>
-                <a:cs typeface="+mn-cs"/>
-              </a:rPr>
-              <a:t>listboxes</a:t>
-            </a:r>
-            <a:r>
-              <a:rPr lang="en-US" sz="1200" kern="1200" baseline="0" dirty="0" smtClean="0">
-                <a:solidFill>
-                  <a:schemeClr val="tx1"/>
-                </a:solidFill>
-                <a:latin typeface="+mn-lt"/>
-                <a:ea typeface="+mn-ea"/>
-                <a:cs typeface="+mn-cs"/>
-              </a:rPr>
-              <a:t> and which are buttons; it just wants to tick through its collection and tell each to “draw.” In short, the form wants to treat all its Control objects </a:t>
-            </a:r>
-            <a:r>
-              <a:rPr lang="en-US" sz="1200" kern="1200" baseline="0" dirty="0" err="1" smtClean="0">
-                <a:solidFill>
-                  <a:schemeClr val="tx1"/>
-                </a:solidFill>
-                <a:latin typeface="+mn-lt"/>
-                <a:ea typeface="+mn-ea"/>
-                <a:cs typeface="+mn-cs"/>
-              </a:rPr>
-              <a:t>polymorphically</a:t>
-            </a:r>
-            <a:r>
-              <a:rPr lang="en-US" sz="1200" kern="1200" baseline="0" dirty="0" smtClean="0">
-                <a:solidFill>
-                  <a:schemeClr val="tx1"/>
-                </a:solidFill>
-                <a:latin typeface="+mn-lt"/>
-                <a:ea typeface="+mn-ea"/>
-                <a:cs typeface="+mn-cs"/>
-              </a:rPr>
-              <a:t>.</a:t>
-            </a:r>
-            <a:endParaRPr lang="en-US" dirty="0"/>
+              <a:t>polymorphism</a:t>
+            </a:r>
+            <a:r>
+              <a:rPr lang="en-US" dirty="0" smtClean="0"/>
+              <a:t>. </a:t>
+            </a:r>
+          </a:p>
+          <a:p>
+            <a:endParaRPr lang="en-US" dirty="0" smtClean="0"/>
+          </a:p>
+          <a:p>
+            <a:r>
+              <a:rPr lang="en-US" dirty="0" smtClean="0"/>
+              <a:t>Suppose all life-forms are mortal. In object oriented programming, we can say that the Person and Plant classes must implement the Mortal interface, which contains the method die().</a:t>
+            </a:r>
+          </a:p>
+          <a:p>
+            <a:r>
+              <a:rPr lang="en-US" dirty="0" smtClean="0"/>
+              <a:t>Persons and Plants die in different ways; for example, Plants do not have hearts that stop. </a:t>
+            </a:r>
+            <a:r>
+              <a:rPr lang="en-US" b="1" dirty="0" smtClean="0"/>
+              <a:t>Dynamic binding</a:t>
+            </a:r>
+            <a:r>
+              <a:rPr lang="en-US" dirty="0" smtClean="0"/>
+              <a:t> is the practice of figuring out which method to invoke at runtime. </a:t>
+            </a:r>
           </a:p>
         </p:txBody>
       </p:sp>
@@ -1505,7 +1387,7 @@
             <a:fld id="{1479D3CE-7FA4-44E4-AED3-CF283C2B74AC}" type="slidenum">
               <a:rPr lang="en-US" smtClean="0"/>
               <a:pPr/>
-              <a:t>6</a:t>
+              <a:t>5</a:t>
             </a:fld>
             <a:endParaRPr lang="en-US"/>
           </a:p>
@@ -1561,49 +1443,387 @@
         <p:spPr/>
         <p:txBody>
           <a:bodyPr>
+            <a:normAutofit fontScale="92500"/>
+          </a:bodyPr>
+          <a:lstStyle/>
+          <a:p>
+            <a:r>
+              <a:rPr lang="en-US" sz="1200" kern="1200" baseline="0" dirty="0" smtClean="0">
+                <a:solidFill>
+                  <a:schemeClr val="tx1"/>
+                </a:solidFill>
+                <a:latin typeface="+mn-lt"/>
+                <a:ea typeface="+mn-ea"/>
+                <a:cs typeface="+mn-cs"/>
+              </a:rPr>
+              <a:t>There are two powerful aspects to inheritance. One is code reuse. When you create a ListBox class, you’re able to reuse some of the logic in the base (Control) class. What is arguably more powerful, however, is the second aspect of inheritance: </a:t>
+            </a:r>
+            <a:r>
+              <a:rPr lang="en-US" sz="1200" i="1" kern="1200" baseline="0" dirty="0" smtClean="0">
+                <a:solidFill>
+                  <a:schemeClr val="tx1"/>
+                </a:solidFill>
+                <a:latin typeface="+mn-lt"/>
+                <a:ea typeface="+mn-ea"/>
+                <a:cs typeface="+mn-cs"/>
+              </a:rPr>
+              <a:t>polymorphism. Poly means “many” and morph means “form.” Thus, polymorphism </a:t>
+            </a:r>
+            <a:r>
+              <a:rPr lang="en-US" sz="1200" kern="1200" baseline="0" dirty="0" smtClean="0">
+                <a:solidFill>
+                  <a:schemeClr val="tx1"/>
+                </a:solidFill>
+                <a:latin typeface="+mn-lt"/>
+                <a:ea typeface="+mn-ea"/>
+                <a:cs typeface="+mn-cs"/>
+              </a:rPr>
+              <a:t>refers to being able to use many forms of a type without regard to the details.</a:t>
+            </a:r>
+          </a:p>
+          <a:p>
+            <a:endParaRPr lang="en-US" sz="1200" kern="1200" baseline="0" dirty="0" smtClean="0">
+              <a:solidFill>
+                <a:schemeClr val="tx1"/>
+              </a:solidFill>
+              <a:latin typeface="+mn-lt"/>
+              <a:ea typeface="+mn-ea"/>
+              <a:cs typeface="+mn-cs"/>
+            </a:endParaRPr>
+          </a:p>
+          <a:p>
+            <a:r>
+              <a:rPr lang="en-US" dirty="0" smtClean="0"/>
+              <a:t>Through inheritance, a </a:t>
+            </a:r>
+            <a:r>
+              <a:rPr lang="en-US" dirty="0" smtClean="0">
+                <a:hlinkClick r:id="rId3"/>
+              </a:rPr>
+              <a:t>class</a:t>
+            </a:r>
+            <a:r>
+              <a:rPr lang="en-US" dirty="0" smtClean="0"/>
+              <a:t> can be used as more than one type; it can be used as its own type, any base types, or any </a:t>
+            </a:r>
+            <a:r>
+              <a:rPr lang="en-US" dirty="0" smtClean="0">
+                <a:hlinkClick r:id="rId4"/>
+              </a:rPr>
+              <a:t>interface</a:t>
+            </a:r>
+            <a:r>
+              <a:rPr lang="en-US" dirty="0" smtClean="0"/>
+              <a:t> type if it implements interfaces. This is called polymorphism. In C#, every type is polymorphic</a:t>
+            </a:r>
+            <a:r>
+              <a:rPr lang="en-US" baseline="0" dirty="0" smtClean="0"/>
+              <a:t> a</a:t>
+            </a:r>
+            <a:r>
+              <a:rPr lang="en-US" dirty="0" smtClean="0"/>
+              <a:t>nd </a:t>
+            </a:r>
+            <a:r>
+              <a:rPr lang="en-US" sz="1200" dirty="0" smtClean="0"/>
+              <a:t>all object references in C# are potentially polymorphic.</a:t>
+            </a:r>
+          </a:p>
+          <a:p>
+            <a:endParaRPr lang="en-US" sz="1200" kern="1200" baseline="0" dirty="0" smtClean="0">
+              <a:solidFill>
+                <a:schemeClr val="tx1"/>
+              </a:solidFill>
+              <a:latin typeface="+mn-lt"/>
+              <a:ea typeface="+mn-ea"/>
+              <a:cs typeface="+mn-cs"/>
+            </a:endParaRPr>
+          </a:p>
+          <a:p>
+            <a:r>
+              <a:rPr lang="en-US" dirty="0" smtClean="0"/>
+              <a:t>Polymorphism is important not only to the derived classes, but to the base classes as well. Anyone using the </a:t>
+            </a:r>
+            <a:r>
+              <a:rPr lang="en-US" dirty="0" smtClean="0">
+                <a:hlinkClick r:id="rId5"/>
+              </a:rPr>
+              <a:t>base</a:t>
+            </a:r>
+            <a:r>
+              <a:rPr lang="en-US" dirty="0" smtClean="0"/>
+              <a:t> class could, in fact, be using an object of the derived class that has been cast to the base class type. Designers of a base class can anticipate the aspects of their base class that are likely to change for a derived type. For example, a base class for cars might contain behavior that is subject to change when the car in question is a minivan or a convertible. A base class can mark those class members as virtual, allowing derived classes representing convertibles and minivans to override that behavior.</a:t>
+            </a:r>
+            <a:endParaRPr lang="en-US" sz="1200" kern="1200" baseline="0" dirty="0" smtClean="0">
+              <a:solidFill>
+                <a:schemeClr val="tx1"/>
+              </a:solidFill>
+              <a:latin typeface="+mn-lt"/>
+              <a:ea typeface="+mn-ea"/>
+              <a:cs typeface="+mn-cs"/>
+            </a:endParaRPr>
+          </a:p>
+          <a:p>
+            <a:endParaRPr lang="en-US" sz="1200" kern="1200" baseline="0" dirty="0" smtClean="0">
+              <a:solidFill>
+                <a:schemeClr val="tx1"/>
+              </a:solidFill>
+              <a:latin typeface="+mn-lt"/>
+              <a:ea typeface="+mn-ea"/>
+              <a:cs typeface="+mn-cs"/>
+            </a:endParaRPr>
+          </a:p>
+          <a:p>
+            <a:r>
+              <a:rPr lang="en-US" sz="1200" kern="1200" baseline="0" dirty="0" smtClean="0">
+                <a:solidFill>
+                  <a:schemeClr val="tx1"/>
+                </a:solidFill>
+                <a:latin typeface="+mn-lt"/>
+                <a:ea typeface="+mn-ea"/>
+                <a:cs typeface="+mn-cs"/>
+              </a:rPr>
+              <a:t>For example, a form might want to keep a collection of all the instances of Control it manages so that when the form is opened, it can tell each of its Controls to draw itself. For this operation, the form doesn’t want to know which elements are </a:t>
+            </a:r>
+            <a:r>
+              <a:rPr lang="en-US" sz="1200" kern="1200" baseline="0" dirty="0" err="1" smtClean="0">
+                <a:solidFill>
+                  <a:schemeClr val="tx1"/>
+                </a:solidFill>
+                <a:latin typeface="+mn-lt"/>
+                <a:ea typeface="+mn-ea"/>
+                <a:cs typeface="+mn-cs"/>
+              </a:rPr>
+              <a:t>listboxes</a:t>
+            </a:r>
+            <a:r>
+              <a:rPr lang="en-US" sz="1200" kern="1200" baseline="0" dirty="0" smtClean="0">
+                <a:solidFill>
+                  <a:schemeClr val="tx1"/>
+                </a:solidFill>
+                <a:latin typeface="+mn-lt"/>
+                <a:ea typeface="+mn-ea"/>
+                <a:cs typeface="+mn-cs"/>
+              </a:rPr>
+              <a:t> and which are buttons; it just wants to tick through its collection and tell each to “draw.” In short, the form wants to treat all its Control objects </a:t>
+            </a:r>
+            <a:r>
+              <a:rPr lang="en-US" sz="1200" kern="1200" baseline="0" dirty="0" err="1" smtClean="0">
+                <a:solidFill>
+                  <a:schemeClr val="tx1"/>
+                </a:solidFill>
+                <a:latin typeface="+mn-lt"/>
+                <a:ea typeface="+mn-ea"/>
+                <a:cs typeface="+mn-cs"/>
+              </a:rPr>
+              <a:t>polymorphically</a:t>
+            </a:r>
+            <a:r>
+              <a:rPr lang="en-US" sz="1200" kern="1200" baseline="0" dirty="0" smtClean="0">
+                <a:solidFill>
+                  <a:schemeClr val="tx1"/>
+                </a:solidFill>
+                <a:latin typeface="+mn-lt"/>
+                <a:ea typeface="+mn-ea"/>
+                <a:cs typeface="+mn-cs"/>
+              </a:rPr>
+              <a:t>.</a:t>
+            </a:r>
+            <a:endParaRPr lang="en-US" dirty="0"/>
+          </a:p>
+        </p:txBody>
+      </p:sp>
+      <p:sp>
+        <p:nvSpPr>
+          <p:cNvPr id="4" name="Pladsholder til diasnummer 3"/>
+          <p:cNvSpPr>
+            <a:spLocks noGrp="1"/>
+          </p:cNvSpPr>
+          <p:nvPr>
+            <p:ph type="sldNum" sz="quarter" idx="10"/>
+          </p:nvPr>
+        </p:nvSpPr>
+        <p:spPr/>
+        <p:txBody>
+          <a:bodyPr/>
+          <a:lstStyle/>
+          <a:p>
+            <a:fld id="{1479D3CE-7FA4-44E4-AED3-CF283C2B74AC}" type="slidenum">
+              <a:rPr lang="en-US" smtClean="0"/>
+              <a:pPr/>
+              <a:t>6</a:t>
+            </a:fld>
+            <a:endParaRPr lang="en-US"/>
+          </a:p>
+        </p:txBody>
+      </p:sp>
+    </p:spTree>
+  </p:cSld>
+  <p:clrMapOvr>
+    <a:masterClrMapping/>
+  </p:clrMapOvr>
+</p:notes>
+</file>
+
+<file path=ppt/notesSlides/notesSlide7.xml><?xml version="1.0" encoding="utf-8"?>
+<p:notes xmlns:a="http://schemas.openxmlformats.org/drawingml/2006/main" xmlns:r="http://schemas.openxmlformats.org/officeDocument/2006/relationships" xmlns:p="http://schemas.openxmlformats.org/presentationml/2006/main">
+  <p:cSld>
+    <p:spTree>
+      <p:nvGrpSpPr>
+        <p:cNvPr id="1" name=""/>
+        <p:cNvGrpSpPr/>
+        <p:nvPr/>
+      </p:nvGrpSpPr>
+      <p:grpSpPr>
+        <a:xfrm>
+          <a:off x="0" y="0"/>
+          <a:ext cx="0" cy="0"/>
+          <a:chOff x="0" y="0"/>
+          <a:chExt cx="0" cy="0"/>
+        </a:xfrm>
+      </p:grpSpPr>
+      <p:sp>
+        <p:nvSpPr>
+          <p:cNvPr id="2" name="Pladsholder til diasbillede 1"/>
+          <p:cNvSpPr>
+            <a:spLocks noGrp="1" noRot="1" noChangeAspect="1"/>
+          </p:cNvSpPr>
+          <p:nvPr>
+            <p:ph type="sldImg"/>
+          </p:nvPr>
+        </p:nvSpPr>
+        <p:spPr/>
+      </p:sp>
+      <p:sp>
+        <p:nvSpPr>
+          <p:cNvPr id="3" name="Pladsholder til noter 2"/>
+          <p:cNvSpPr>
+            <a:spLocks noGrp="1"/>
+          </p:cNvSpPr>
+          <p:nvPr>
+            <p:ph type="body" idx="1"/>
+          </p:nvPr>
+        </p:nvSpPr>
+        <p:spPr/>
+        <p:txBody>
+          <a:bodyPr>
+            <a:normAutofit fontScale="92500"/>
+          </a:bodyPr>
+          <a:lstStyle/>
+          <a:p>
+            <a:r>
+              <a:rPr lang="en-US" dirty="0" smtClean="0"/>
+              <a:t>In order for an instance of a derived class to completely take over a class member from a base class, the base class has to declare that member as virtual. This is accomplished by adding the </a:t>
+            </a:r>
+            <a:r>
+              <a:rPr lang="en-US" dirty="0" smtClean="0">
+                <a:hlinkClick r:id="rId3"/>
+              </a:rPr>
+              <a:t>virtual</a:t>
+            </a:r>
+            <a:r>
+              <a:rPr lang="en-US" dirty="0" smtClean="0"/>
+              <a:t> keyword before the return type of the member. A derived class then has the option of using the </a:t>
+            </a:r>
+            <a:r>
+              <a:rPr lang="en-US" dirty="0" smtClean="0">
+                <a:hlinkClick r:id="rId4"/>
+              </a:rPr>
+              <a:t>override</a:t>
+            </a:r>
+            <a:r>
+              <a:rPr lang="en-US" dirty="0" smtClean="0"/>
+              <a:t> keyword, instead of </a:t>
+            </a:r>
+            <a:r>
+              <a:rPr lang="en-US" b="1" dirty="0" smtClean="0"/>
+              <a:t>new</a:t>
+            </a:r>
+            <a:r>
+              <a:rPr lang="en-US" dirty="0" smtClean="0"/>
+              <a:t>, to replace the base class implementation with its own. For example:</a:t>
+            </a:r>
+            <a:endParaRPr lang="en-US" dirty="0"/>
+          </a:p>
+        </p:txBody>
+      </p:sp>
+      <p:sp>
+        <p:nvSpPr>
+          <p:cNvPr id="4" name="Pladsholder til diasnummer 3"/>
+          <p:cNvSpPr>
+            <a:spLocks noGrp="1"/>
+          </p:cNvSpPr>
+          <p:nvPr>
+            <p:ph type="sldNum" sz="quarter" idx="10"/>
+          </p:nvPr>
+        </p:nvSpPr>
+        <p:spPr/>
+        <p:txBody>
+          <a:bodyPr/>
+          <a:lstStyle/>
+          <a:p>
+            <a:fld id="{1479D3CE-7FA4-44E4-AED3-CF283C2B74AC}" type="slidenum">
+              <a:rPr lang="en-US" smtClean="0"/>
+              <a:pPr/>
+              <a:t>7</a:t>
+            </a:fld>
+            <a:endParaRPr lang="en-US"/>
+          </a:p>
+        </p:txBody>
+      </p:sp>
+    </p:spTree>
+  </p:cSld>
+  <p:clrMapOvr>
+    <a:masterClrMapping/>
+  </p:clrMapOvr>
+</p:notes>
+</file>
+
+<file path=ppt/notesSlides/notesSlide8.xml><?xml version="1.0" encoding="utf-8"?>
+<p:notes xmlns:a="http://schemas.openxmlformats.org/drawingml/2006/main" xmlns:r="http://schemas.openxmlformats.org/officeDocument/2006/relationships" xmlns:p="http://schemas.openxmlformats.org/presentationml/2006/main">
+  <p:cSld>
+    <p:spTree>
+      <p:nvGrpSpPr>
+        <p:cNvPr id="1" name=""/>
+        <p:cNvGrpSpPr/>
+        <p:nvPr/>
+      </p:nvGrpSpPr>
+      <p:grpSpPr>
+        <a:xfrm>
+          <a:off x="0" y="0"/>
+          <a:ext cx="0" cy="0"/>
+          <a:chOff x="0" y="0"/>
+          <a:chExt cx="0" cy="0"/>
+        </a:xfrm>
+      </p:grpSpPr>
+      <p:sp>
+        <p:nvSpPr>
+          <p:cNvPr id="2" name="Pladsholder til diasbillede 1"/>
+          <p:cNvSpPr>
+            <a:spLocks noGrp="1" noRot="1" noChangeAspect="1"/>
+          </p:cNvSpPr>
+          <p:nvPr>
+            <p:ph type="sldImg"/>
+          </p:nvPr>
+        </p:nvSpPr>
+        <p:spPr/>
+      </p:sp>
+      <p:sp>
+        <p:nvSpPr>
+          <p:cNvPr id="3" name="Pladsholder til noter 2"/>
+          <p:cNvSpPr>
+            <a:spLocks noGrp="1"/>
+          </p:cNvSpPr>
+          <p:nvPr>
+            <p:ph type="body" idx="1"/>
+          </p:nvPr>
+        </p:nvSpPr>
+        <p:spPr/>
+        <p:txBody>
+          <a:bodyPr>
             <a:normAutofit/>
           </a:bodyPr>
           <a:lstStyle/>
-          <a:p>
-            <a:pPr marL="0" marR="0" indent="0" algn="l" defTabSz="914400" rtl="0" eaLnBrk="1" fontAlgn="auto" latinLnBrk="0" hangingPunct="1">
-              <a:lnSpc>
-                <a:spcPct val="100000"/>
-              </a:lnSpc>
-              <a:spcBef>
-                <a:spcPts val="0"/>
-              </a:spcBef>
-              <a:spcAft>
-                <a:spcPts val="0"/>
-              </a:spcAft>
-              <a:buClrTx/>
-              <a:buSzTx/>
-              <a:buFontTx/>
-              <a:buNone/>
-              <a:tabLst/>
-              <a:defRPr/>
-            </a:pPr>
-            <a:endParaRPr lang="en-US" dirty="0" smtClean="0"/>
-          </a:p>
-          <a:p>
-            <a:pPr marL="0" marR="0" indent="0" algn="l" defTabSz="914400" rtl="0" eaLnBrk="1" fontAlgn="auto" latinLnBrk="0" hangingPunct="1">
-              <a:lnSpc>
-                <a:spcPct val="100000"/>
-              </a:lnSpc>
-              <a:spcBef>
-                <a:spcPts val="0"/>
-              </a:spcBef>
-              <a:spcAft>
-                <a:spcPts val="0"/>
-              </a:spcAft>
-              <a:buClrTx/>
-              <a:buSzTx/>
-              <a:buFontTx/>
-              <a:buNone/>
-              <a:tabLst/>
-              <a:defRPr/>
-            </a:pPr>
-            <a:endParaRPr lang="en-US" dirty="0" smtClean="0"/>
-          </a:p>
           <a:p>
             <a:pPr marL="0" marR="0" indent="0" algn="l" defTabSz="914400" rtl="0" eaLnBrk="1" fontAlgn="auto" latinLnBrk="0" hangingPunct="1">
               <a:lnSpc>
@@ -5325,10 +5545,10 @@
           <a:lstStyle/>
           <a:p>
             <a:r>
-              <a:rPr lang="en-US" dirty="0" smtClean="0"/>
-              <a:t>Binding</a:t>
-            </a:r>
-            <a:endParaRPr lang="en-US" dirty="0"/>
+              <a:rPr lang="en-US" smtClean="0"/>
+              <a:t>Late Binding</a:t>
+            </a:r>
+            <a:endParaRPr lang="en-US"/>
           </a:p>
         </p:txBody>
       </p:sp>
@@ -5342,12 +5562,41 @@
             <p:ph idx="1"/>
           </p:nvPr>
         </p:nvSpPr>
-        <p:spPr/>
-        <p:txBody>
-          <a:bodyPr/>
-          <a:lstStyle/>
-          <a:p>
-            <a:endParaRPr lang="da-DK"/>
+        <p:spPr>
+          <a:xfrm>
+            <a:off x="457200" y="1600200"/>
+            <a:ext cx="8229600" cy="5257800"/>
+          </a:xfrm>
+        </p:spPr>
+        <p:txBody>
+          <a:bodyPr/>
+          <a:lstStyle/>
+          <a:p>
+            <a:r>
+              <a:rPr lang="en-US" dirty="0" smtClean="0"/>
+              <a:t>Also know as Dynamic Binding</a:t>
+            </a:r>
+          </a:p>
+          <a:p>
+            <a:endParaRPr lang="en-US" dirty="0" smtClean="0"/>
+          </a:p>
+          <a:p>
+            <a:r>
+              <a:rPr lang="en-US" dirty="0" smtClean="0"/>
+              <a:t>Allow substitution of an implementation using the same interface</a:t>
+            </a:r>
+          </a:p>
+          <a:p>
+            <a:endParaRPr lang="en-US" dirty="0" smtClean="0"/>
+          </a:p>
+          <a:p>
+            <a:r>
+              <a:rPr lang="en-US" dirty="0" smtClean="0"/>
+              <a:t>C# supports late binding making it possible to use polymorphism</a:t>
+            </a:r>
+          </a:p>
+          <a:p>
+            <a:endParaRPr lang="en-US" dirty="0" smtClean="0"/>
           </a:p>
         </p:txBody>
       </p:sp>
@@ -5511,11 +5760,7 @@
           <a:p>
             <a:r>
               <a:rPr lang="en-US" dirty="0" smtClean="0"/>
-              <a:t>Polymorphic </a:t>
-            </a:r>
-            <a:r>
-              <a:rPr lang="en-US" dirty="0" smtClean="0"/>
-              <a:t>method</a:t>
+              <a:t>Polymorphism</a:t>
             </a:r>
             <a:endParaRPr lang="en-US" dirty="0"/>
           </a:p>
@@ -5536,13 +5781,195 @@
           <a:bodyPr/>
           <a:lstStyle/>
           <a:p>
-            <a:r>
-              <a:rPr lang="en-US" dirty="0" smtClean="0"/>
-              <a:t>All object references in C# are potentially polymorphic</a:t>
-            </a:r>
+            <a:endParaRPr lang="en-US" dirty="0" smtClean="0"/>
           </a:p>
           <a:p>
             <a:endParaRPr lang="en-US" dirty="0"/>
+          </a:p>
+        </p:txBody>
+      </p:sp>
+      <p:pic>
+        <p:nvPicPr>
+          <p:cNvPr id="3074" name="Picture 2"/>
+          <p:cNvPicPr>
+            <a:picLocks noChangeAspect="1" noChangeArrowheads="1"/>
+          </p:cNvPicPr>
+          <p:nvPr/>
+        </p:nvPicPr>
+        <p:blipFill>
+          <a:blip r:embed="rId3" cstate="print"/>
+          <a:srcRect/>
+          <a:stretch>
+            <a:fillRect/>
+          </a:stretch>
+        </p:blipFill>
+        <p:spPr bwMode="auto">
+          <a:xfrm>
+            <a:off x="1071538" y="3500438"/>
+            <a:ext cx="3114675" cy="2628900"/>
+          </a:xfrm>
+          <a:prstGeom prst="rect">
+            <a:avLst/>
+          </a:prstGeom>
+          <a:noFill/>
+          <a:ln w="9525">
+            <a:noFill/>
+            <a:miter lim="800000"/>
+            <a:headEnd/>
+            <a:tailEnd/>
+          </a:ln>
+        </p:spPr>
+      </p:pic>
+      <p:pic>
+        <p:nvPicPr>
+          <p:cNvPr id="3075" name="Picture 3"/>
+          <p:cNvPicPr>
+            <a:picLocks noChangeAspect="1" noChangeArrowheads="1"/>
+          </p:cNvPicPr>
+          <p:nvPr/>
+        </p:nvPicPr>
+        <p:blipFill>
+          <a:blip r:embed="rId4" cstate="print"/>
+          <a:srcRect/>
+          <a:stretch>
+            <a:fillRect/>
+          </a:stretch>
+        </p:blipFill>
+        <p:spPr bwMode="auto">
+          <a:xfrm>
+            <a:off x="5295900" y="1928802"/>
+            <a:ext cx="3848100" cy="6619875"/>
+          </a:xfrm>
+          <a:prstGeom prst="rect">
+            <a:avLst/>
+          </a:prstGeom>
+          <a:noFill/>
+          <a:ln w="9525">
+            <a:noFill/>
+            <a:miter lim="800000"/>
+            <a:headEnd/>
+            <a:tailEnd/>
+          </a:ln>
+        </p:spPr>
+      </p:pic>
+      <p:sp>
+        <p:nvSpPr>
+          <p:cNvPr id="6" name="Content Placeholder 2"/>
+          <p:cNvSpPr txBox="1">
+            <a:spLocks/>
+          </p:cNvSpPr>
+          <p:nvPr/>
+        </p:nvSpPr>
+        <p:spPr>
+          <a:xfrm>
+            <a:off x="609600" y="1752601"/>
+            <a:ext cx="8229600" cy="1747837"/>
+          </a:xfrm>
+          <a:prstGeom prst="rect">
+            <a:avLst/>
+          </a:prstGeom>
+        </p:spPr>
+        <p:txBody>
+          <a:bodyPr vert="horz" lIns="91440" tIns="45720" rIns="91440" bIns="45720" rtlCol="0">
+            <a:normAutofit/>
+          </a:bodyPr>
+          <a:lstStyle/>
+          <a:p>
+            <a:pPr marL="342900" marR="0" lvl="0" indent="-342900" algn="l" defTabSz="914400" rtl="0" eaLnBrk="1" fontAlgn="auto" latinLnBrk="0" hangingPunct="1">
+              <a:lnSpc>
+                <a:spcPct val="100000"/>
+              </a:lnSpc>
+              <a:spcBef>
+                <a:spcPct val="20000"/>
+              </a:spcBef>
+              <a:spcAft>
+                <a:spcPts val="0"/>
+              </a:spcAft>
+              <a:buClrTx/>
+              <a:buSzTx/>
+              <a:tabLst/>
+              <a:defRPr/>
+            </a:pPr>
+            <a:endParaRPr kumimoji="0" lang="en-US" sz="3200" b="0" i="0" u="none" strike="noStrike" kern="1200" cap="none" spc="0" normalizeH="0" baseline="0" noProof="0" dirty="0" smtClean="0">
+              <a:ln>
+                <a:noFill/>
+              </a:ln>
+              <a:solidFill>
+                <a:schemeClr val="tx1"/>
+              </a:solidFill>
+              <a:effectLst/>
+              <a:uLnTx/>
+              <a:uFillTx/>
+              <a:latin typeface="+mn-lt"/>
+              <a:ea typeface="+mn-ea"/>
+              <a:cs typeface="+mn-cs"/>
+            </a:endParaRPr>
+          </a:p>
+          <a:p>
+            <a:pPr marL="342900" marR="0" lvl="0" indent="-342900" algn="l" defTabSz="914400" rtl="0" eaLnBrk="1" fontAlgn="auto" latinLnBrk="0" hangingPunct="1">
+              <a:lnSpc>
+                <a:spcPct val="100000"/>
+              </a:lnSpc>
+              <a:spcBef>
+                <a:spcPct val="20000"/>
+              </a:spcBef>
+              <a:spcAft>
+                <a:spcPts val="0"/>
+              </a:spcAft>
+              <a:buClrTx/>
+              <a:buSzTx/>
+              <a:buFont typeface="Arial" pitchFamily="34" charset="0"/>
+              <a:buChar char="•"/>
+              <a:tabLst/>
+              <a:defRPr/>
+            </a:pPr>
+            <a:endParaRPr kumimoji="0" lang="en-US" sz="3200" b="0" i="0" u="none" strike="noStrike" kern="1200" cap="none" spc="0" normalizeH="0" baseline="0" noProof="0" dirty="0" smtClean="0">
+              <a:ln>
+                <a:noFill/>
+              </a:ln>
+              <a:solidFill>
+                <a:schemeClr val="tx1"/>
+              </a:solidFill>
+              <a:effectLst/>
+              <a:uLnTx/>
+              <a:uFillTx/>
+              <a:latin typeface="+mn-lt"/>
+              <a:ea typeface="+mn-ea"/>
+              <a:cs typeface="+mn-cs"/>
+            </a:endParaRPr>
+          </a:p>
+          <a:p>
+            <a:pPr marL="342900" marR="0" lvl="0" indent="-342900" algn="l" defTabSz="914400" rtl="0" eaLnBrk="1" fontAlgn="auto" latinLnBrk="0" hangingPunct="1">
+              <a:lnSpc>
+                <a:spcPct val="100000"/>
+              </a:lnSpc>
+              <a:spcBef>
+                <a:spcPct val="20000"/>
+              </a:spcBef>
+              <a:spcAft>
+                <a:spcPts val="0"/>
+              </a:spcAft>
+              <a:buClrTx/>
+              <a:buSzTx/>
+              <a:buFont typeface="Arial" pitchFamily="34" charset="0"/>
+              <a:buChar char="•"/>
+              <a:tabLst/>
+              <a:defRPr/>
+            </a:pPr>
+            <a:endParaRPr kumimoji="0" lang="en-US" sz="3200" b="0" i="0" u="none" strike="noStrike" kern="1200" cap="none" spc="0" normalizeH="0" baseline="0" noProof="0" dirty="0">
+              <a:ln>
+                <a:noFill/>
+              </a:ln>
+              <a:solidFill>
+                <a:schemeClr val="tx1"/>
+              </a:solidFill>
+              <a:effectLst/>
+              <a:uLnTx/>
+              <a:uFillTx/>
+              <a:latin typeface="+mn-lt"/>
+              <a:ea typeface="+mn-ea"/>
+              <a:cs typeface="+mn-cs"/>
+            </a:endParaRPr>
           </a:p>
         </p:txBody>
       </p:sp>
@@ -5587,10 +6014,10 @@
           <a:lstStyle/>
           <a:p>
             <a:r>
-              <a:rPr lang="en-US" dirty="0" smtClean="0"/>
+              <a:rPr lang="en-US" smtClean="0"/>
               <a:t>Our program</a:t>
             </a:r>
-            <a:endParaRPr lang="en-US" dirty="0"/>
+            <a:endParaRPr lang="en-US"/>
           </a:p>
         </p:txBody>
       </p:sp>
@@ -5610,42 +6037,44 @@
           <a:lstStyle/>
           <a:p>
             <a:r>
-              <a:rPr lang="da-DK" dirty="0" smtClean="0"/>
+              <a:rPr lang="en-US" dirty="0" smtClean="0"/>
               <a:t>Black Jack Game</a:t>
             </a:r>
           </a:p>
           <a:p>
-            <a:endParaRPr lang="da-DK" dirty="0" smtClean="0"/>
-          </a:p>
-          <a:p>
-            <a:r>
-              <a:rPr lang="da-DK" dirty="0" smtClean="0"/>
+            <a:endParaRPr lang="en-US" dirty="0" smtClean="0"/>
+          </a:p>
+          <a:p>
+            <a:r>
+              <a:rPr lang="en-US" dirty="0" smtClean="0"/>
               <a:t>Log</a:t>
             </a:r>
           </a:p>
           <a:p>
             <a:r>
-              <a:rPr lang="da-DK" dirty="0" smtClean="0"/>
+              <a:rPr lang="en-US" dirty="0" smtClean="0"/>
               <a:t>Save Log</a:t>
             </a:r>
           </a:p>
           <a:p>
             <a:r>
-              <a:rPr lang="da-DK" dirty="0" smtClean="0"/>
+              <a:rPr lang="en-US" dirty="0" err="1" smtClean="0"/>
               <a:t>Beting</a:t>
             </a:r>
-          </a:p>
-          <a:p>
-            <a:r>
-              <a:rPr lang="da-DK" dirty="0" smtClean="0"/>
+            <a:endParaRPr lang="en-US" dirty="0" smtClean="0"/>
+          </a:p>
+          <a:p>
+            <a:r>
+              <a:rPr lang="en-US" dirty="0" smtClean="0"/>
               <a:t>Hit</a:t>
             </a:r>
           </a:p>
           <a:p>
             <a:r>
-              <a:rPr lang="da-DK" dirty="0" smtClean="0"/>
+              <a:rPr lang="en-US" dirty="0" smtClean="0"/>
               <a:t>Stand</a:t>
             </a:r>
+            <a:endParaRPr lang="en-US" dirty="0" smtClean="0"/>
           </a:p>
         </p:txBody>
       </p:sp>
@@ -5749,6 +6178,38 @@
       </p:sp>
       <p:pic>
         <p:nvPicPr>
+          <p:cNvPr id="4099" name="Picture 3"/>
+          <p:cNvPicPr>
+            <a:picLocks noChangeAspect="1" noChangeArrowheads="1"/>
+          </p:cNvPicPr>
+          <p:nvPr/>
+        </p:nvPicPr>
+        <p:blipFill>
+          <a:blip r:embed="rId3" cstate="print"/>
+          <a:srcRect/>
+          <a:stretch>
+            <a:fillRect/>
+          </a:stretch>
+        </p:blipFill>
+        <p:spPr bwMode="auto">
+          <a:xfrm>
+            <a:off x="0" y="1857364"/>
+            <a:ext cx="6191250" cy="5943600"/>
+          </a:xfrm>
+          <a:prstGeom prst="rect">
+            <a:avLst/>
+          </a:prstGeom>
+          <a:noFill/>
+          <a:ln w="9525">
+            <a:noFill/>
+            <a:miter lim="800000"/>
+            <a:headEnd/>
+            <a:tailEnd/>
+          </a:ln>
+        </p:spPr>
+      </p:pic>
+      <p:pic>
+        <p:nvPicPr>
           <p:cNvPr id="2050" name="Picture 2" descr="C:\Users\Martin\Desktop\Personal\Civil 3 Semester\projectwork\OOPExam\classDiagram.png"/>
           <p:cNvPicPr>
             <a:picLocks noChangeAspect="1" noChangeArrowheads="1"/>
@@ -5756,7 +6217,7 @@
           <p:nvPr/>
         </p:nvPicPr>
         <p:blipFill>
-          <a:blip r:embed="rId3" cstate="print"/>
+          <a:blip r:embed="rId4" cstate="print"/>
           <a:srcRect/>
           <a:stretch>
             <a:fillRect/>

--- a/OOPExam/02 Inheritance and Polymorphism.pptx
+++ b/OOPExam/02 Inheritance and Polymorphism.pptx
@@ -5,7 +5,7 @@
     <p:sldMasterId id="2147483648" r:id="rId1"/>
   </p:sldMasterIdLst>
   <p:notesMasterIdLst>
-    <p:notesMasterId r:id="rId12"/>
+    <p:notesMasterId r:id="rId11"/>
   </p:notesMasterIdLst>
   <p:sldIdLst>
     <p:sldId id="256" r:id="rId2"/>
@@ -16,8 +16,7 @@
     <p:sldId id="258" r:id="rId7"/>
     <p:sldId id="268" r:id="rId8"/>
     <p:sldId id="265" r:id="rId9"/>
-    <p:sldId id="266" r:id="rId10"/>
-    <p:sldId id="267" r:id="rId11"/>
+    <p:sldId id="269" r:id="rId10"/>
   </p:sldIdLst>
   <p:sldSz cx="9144000" cy="6858000" type="screen4x3"/>
   <p:notesSz cx="6858000" cy="9144000"/>
@@ -1842,7 +1841,18 @@
               <a:tabLst/>
               <a:defRPr/>
             </a:pPr>
-            <a:endParaRPr lang="en-US" dirty="0" smtClean="0"/>
+            <a:r>
+              <a:rPr lang="en-US" dirty="0" smtClean="0"/>
+              <a:t>Our application uses list to contain the cards and the </a:t>
+            </a:r>
+            <a:r>
+              <a:rPr lang="en-US" dirty="0" err="1" smtClean="0"/>
+              <a:t>foreach</a:t>
+            </a:r>
+            <a:r>
+              <a:rPr lang="en-US" dirty="0" smtClean="0"/>
+              <a:t> statement to manage the cards</a:t>
+            </a:r>
           </a:p>
           <a:p>
             <a:pPr marL="0" marR="0" indent="0" algn="l" defTabSz="914400" rtl="0" eaLnBrk="1" fontAlgn="auto" latinLnBrk="0" hangingPunct="1">
@@ -1862,14 +1872,7 @@
               <a:tabLst/>
               <a:defRPr/>
             </a:pPr>
-            <a:r>
-              <a:rPr lang="en-US" dirty="0" smtClean="0"/>
-              <a:t>Our application contains a</a:t>
-            </a:r>
-            <a:r>
-              <a:rPr lang="en-US" baseline="0" dirty="0" smtClean="0"/>
-              <a:t> simple card class, and a deck class.</a:t>
-            </a:r>
+            <a:endParaRPr lang="en-US" dirty="0" smtClean="0"/>
           </a:p>
           <a:p>
             <a:pPr marL="0" marR="0" indent="0" algn="l" defTabSz="914400" rtl="0" eaLnBrk="1" fontAlgn="auto" latinLnBrk="0" hangingPunct="1">
@@ -1889,7 +1892,14 @@
               <a:tabLst/>
               <a:defRPr/>
             </a:pPr>
-            <a:endParaRPr lang="en-US" baseline="0" dirty="0" smtClean="0"/>
+            <a:r>
+              <a:rPr lang="en-US" dirty="0" smtClean="0"/>
+              <a:t>Our application contains a</a:t>
+            </a:r>
+            <a:r>
+              <a:rPr lang="en-US" baseline="0" dirty="0" smtClean="0"/>
+              <a:t> simple card class, and a deck class.</a:t>
+            </a:r>
           </a:p>
           <a:p>
             <a:pPr marL="0" marR="0" indent="0" algn="l" defTabSz="914400" rtl="0" eaLnBrk="1" fontAlgn="auto" latinLnBrk="0" hangingPunct="1">
@@ -1909,10 +1919,7 @@
               <a:tabLst/>
               <a:defRPr/>
             </a:pPr>
-            <a:r>
-              <a:rPr lang="en-US" baseline="0" dirty="0" smtClean="0"/>
-              <a:t>A deck of cards is a list that contains objects of the type card.</a:t>
-            </a:r>
+            <a:endParaRPr lang="en-US" baseline="0" dirty="0" smtClean="0"/>
           </a:p>
           <a:p>
             <a:pPr marL="0" marR="0" indent="0" algn="l" defTabSz="914400" rtl="0" eaLnBrk="1" fontAlgn="auto" latinLnBrk="0" hangingPunct="1">
@@ -1932,28 +1939,12 @@
               <a:tabLst/>
               <a:defRPr/>
             </a:pPr>
+            <a:r>
+              <a:rPr lang="en-US" baseline="0" dirty="0" smtClean="0"/>
+              <a:t>A deck of cards is a list that contains objects of the type card.</a:t>
+            </a:r>
             <a:endParaRPr lang="en-US" baseline="0" dirty="0" smtClean="0"/>
           </a:p>
-          <a:p>
-            <a:pPr marL="0" marR="0" indent="0" algn="l" defTabSz="914400" rtl="0" eaLnBrk="1" fontAlgn="auto" latinLnBrk="0" hangingPunct="1">
-              <a:lnSpc>
-                <a:spcPct val="100000"/>
-              </a:lnSpc>
-              <a:spcBef>
-                <a:spcPts val="0"/>
-              </a:spcBef>
-              <a:spcAft>
-                <a:spcPts val="0"/>
-              </a:spcAft>
-              <a:buClrTx/>
-              <a:buSzTx/>
-              <a:buFontTx/>
-              <a:buNone/>
-              <a:tabLst/>
-              <a:defRPr/>
-            </a:pPr>
-            <a:endParaRPr lang="en-US" dirty="0" smtClean="0"/>
-          </a:p>
         </p:txBody>
       </p:sp>
       <p:sp>
@@ -1971,7 +1962,7 @@
           <a:bodyPr/>
           <a:lstStyle/>
           <a:p>
-            <a:fld id="{41BD0771-8E2D-46E3-8723-C8AF04A84B8E}" type="slidenum">
+            <a:fld id="{6C3390C7-C92A-440B-B67D-36FF6D2DBAFD}" type="slidenum">
               <a:rPr lang="en-US" smtClean="0"/>
               <a:pPr/>
               <a:t>9</a:t>
@@ -4992,73 +4983,6 @@
 </p:sld>
 </file>
 
-<file path=ppt/slides/slide10.xml><?xml version="1.0" encoding="utf-8"?>
-<p:sld xmlns:a="http://schemas.openxmlformats.org/drawingml/2006/main" xmlns:r="http://schemas.openxmlformats.org/officeDocument/2006/relationships" xmlns:p="http://schemas.openxmlformats.org/presentationml/2006/main">
-  <p:cSld>
-    <p:spTree>
-      <p:nvGrpSpPr>
-        <p:cNvPr id="1" name=""/>
-        <p:cNvGrpSpPr/>
-        <p:nvPr/>
-      </p:nvGrpSpPr>
-      <p:grpSpPr>
-        <a:xfrm>
-          <a:off x="0" y="0"/>
-          <a:ext cx="0" cy="0"/>
-          <a:chOff x="0" y="0"/>
-          <a:chExt cx="0" cy="0"/>
-        </a:xfrm>
-      </p:grpSpPr>
-      <p:sp>
-        <p:nvSpPr>
-          <p:cNvPr id="2" name="Title 1"/>
-          <p:cNvSpPr>
-            <a:spLocks noGrp="1"/>
-          </p:cNvSpPr>
-          <p:nvPr>
-            <p:ph type="title"/>
-          </p:nvPr>
-        </p:nvSpPr>
-        <p:spPr/>
-        <p:txBody>
-          <a:bodyPr/>
-          <a:lstStyle/>
-          <a:p>
-            <a:r>
-              <a:rPr lang="en-US" dirty="0" smtClean="0"/>
-              <a:t>Questions?</a:t>
-            </a:r>
-            <a:endParaRPr lang="en-US" dirty="0"/>
-          </a:p>
-        </p:txBody>
-      </p:sp>
-      <p:sp>
-        <p:nvSpPr>
-          <p:cNvPr id="3" name="Content Placeholder 2"/>
-          <p:cNvSpPr>
-            <a:spLocks noGrp="1"/>
-          </p:cNvSpPr>
-          <p:nvPr>
-            <p:ph idx="1"/>
-          </p:nvPr>
-        </p:nvSpPr>
-        <p:spPr/>
-        <p:txBody>
-          <a:bodyPr/>
-          <a:lstStyle/>
-          <a:p>
-            <a:endParaRPr lang="da-DK" dirty="0"/>
-          </a:p>
-        </p:txBody>
-      </p:sp>
-    </p:spTree>
-  </p:cSld>
-  <p:clrMapOvr>
-    <a:masterClrMapping/>
-  </p:clrMapOvr>
-</p:sld>
-</file>
-
 <file path=ppt/slides/slide2.xml><?xml version="1.0" encoding="utf-8"?>
 <p:sld xmlns:a="http://schemas.openxmlformats.org/drawingml/2006/main" xmlns:r="http://schemas.openxmlformats.org/officeDocument/2006/relationships" xmlns:p="http://schemas.openxmlformats.org/presentationml/2006/main">
   <p:cSld>
@@ -5116,40 +5040,20 @@
           <a:p>
             <a:r>
               <a:rPr lang="en-US" dirty="0" smtClean="0"/>
-              <a:t>Interdependencies </a:t>
-            </a:r>
-            <a:r>
-              <a:rPr lang="en-US" dirty="0" smtClean="0"/>
-              <a:t>and </a:t>
-            </a:r>
-            <a:r>
-              <a:rPr lang="en-US" dirty="0" smtClean="0"/>
-              <a:t>Relationships</a:t>
-            </a:r>
-          </a:p>
-          <a:p>
-            <a:r>
-              <a:rPr lang="en-US" dirty="0" smtClean="0"/>
-              <a:t>Generalization </a:t>
-            </a:r>
-            <a:r>
-              <a:rPr lang="en-US" dirty="0" smtClean="0"/>
-              <a:t>and </a:t>
-            </a:r>
-            <a:r>
-              <a:rPr lang="en-US" dirty="0" smtClean="0"/>
-              <a:t>Specialization</a:t>
+              <a:t>Interdependencies and Relationships</a:t>
+            </a:r>
+          </a:p>
+          <a:p>
+            <a:r>
+              <a:rPr lang="en-US" dirty="0" smtClean="0"/>
+              <a:t>Generalization and Specialization</a:t>
             </a:r>
           </a:p>
           <a:p>
             <a:pPr lvl="1"/>
             <a:r>
               <a:rPr lang="en-US" dirty="0" smtClean="0"/>
-              <a:t>writing code that is </a:t>
-            </a:r>
-            <a:r>
-              <a:rPr lang="en-US" dirty="0" smtClean="0"/>
-              <a:t>reusable</a:t>
+              <a:t>writing code that is reusable</a:t>
             </a:r>
           </a:p>
           <a:p>
@@ -5158,11 +5062,7 @@
           <a:p>
             <a:r>
               <a:rPr lang="en-US" dirty="0" smtClean="0"/>
-              <a:t>new class, ListBox, which derives from </a:t>
-            </a:r>
-            <a:r>
-              <a:rPr lang="en-US" dirty="0" smtClean="0"/>
-              <a:t>Control</a:t>
+              <a:t>new class, ListBox, which derives from Control</a:t>
             </a:r>
           </a:p>
         </p:txBody>
@@ -5241,11 +5141,7 @@
           <a:p>
             <a:r>
               <a:rPr lang="en-US" dirty="0" smtClean="0"/>
-              <a:t>Hierarchy </a:t>
-            </a:r>
-            <a:r>
-              <a:rPr lang="en-US" dirty="0" smtClean="0"/>
-              <a:t>and Single Inheritance</a:t>
+              <a:t>Hierarchy and Single Inheritance</a:t>
             </a:r>
             <a:endParaRPr lang="en-US" dirty="0"/>
           </a:p>
@@ -5278,11 +5174,7 @@
           <a:p>
             <a:r>
               <a:rPr lang="da-DK" dirty="0" smtClean="0"/>
-              <a:t>Semantic </a:t>
-            </a:r>
-            <a:r>
-              <a:rPr lang="da-DK" dirty="0" smtClean="0"/>
-              <a:t>ambiguity</a:t>
+              <a:t>Semantic ambiguity</a:t>
             </a:r>
             <a:endParaRPr lang="da-DK" dirty="0"/>
           </a:p>
@@ -5493,14 +5385,12 @@
               <a:rPr lang="en-US" dirty="0" smtClean="0"/>
               <a:t>Types are values</a:t>
             </a:r>
-            <a:endParaRPr lang="en-US" dirty="0" smtClean="0"/>
           </a:p>
           <a:p>
             <a:r>
               <a:rPr lang="en-US" dirty="0" smtClean="0"/>
               <a:t>C# is a statically type language, but in C# 4.0 it is possible to bypass type checking</a:t>
             </a:r>
-            <a:endParaRPr lang="en-US" dirty="0" smtClean="0"/>
           </a:p>
         </p:txBody>
       </p:sp>
@@ -5665,15 +5555,7 @@
           <a:p>
             <a:r>
               <a:rPr lang="en-US" dirty="0" smtClean="0"/>
-              <a:t>Many </a:t>
-            </a:r>
-            <a:r>
-              <a:rPr lang="en-US" dirty="0" smtClean="0"/>
-              <a:t>f</a:t>
-            </a:r>
-            <a:r>
-              <a:rPr lang="en-US" dirty="0" smtClean="0"/>
-              <a:t>orms</a:t>
+              <a:t>Many forms</a:t>
             </a:r>
           </a:p>
           <a:p>
@@ -5702,7 +5584,6 @@
               <a:rPr lang="en-US" dirty="0" smtClean="0"/>
               <a:t>Any interface type it implements (if any)</a:t>
             </a:r>
-            <a:endParaRPr lang="en-US" dirty="0" smtClean="0"/>
           </a:p>
           <a:p>
             <a:r>
@@ -6058,8 +5939,8 @@
           </a:p>
           <a:p>
             <a:r>
-              <a:rPr lang="en-US" dirty="0" err="1" smtClean="0"/>
-              <a:t>Beting</a:t>
+              <a:rPr lang="en-US" dirty="0" smtClean="0"/>
+              <a:t>Betting</a:t>
             </a:r>
             <a:endParaRPr lang="en-US" dirty="0" smtClean="0"/>
           </a:p>
@@ -6074,7 +5955,6 @@
               <a:rPr lang="en-US" dirty="0" smtClean="0"/>
               <a:t>Stand</a:t>
             </a:r>
-            <a:endParaRPr lang="en-US" dirty="0" smtClean="0"/>
           </a:p>
         </p:txBody>
       </p:sp>
@@ -6146,7 +6026,15 @@
           <a:p>
             <a:r>
               <a:rPr lang="en-US" dirty="0" smtClean="0"/>
-              <a:t>Our program</a:t>
+              <a:t>Use</a:t>
+            </a:r>
+            <a:r>
+              <a:rPr lang="da-DK" dirty="0" smtClean="0"/>
+              <a:t> i</a:t>
+            </a:r>
+            <a:r>
+              <a:rPr lang="en-US" dirty="0" smtClean="0"/>
+              <a:t>n our program</a:t>
             </a:r>
             <a:endParaRPr lang="en-US" dirty="0"/>
           </a:p>
@@ -6154,7 +6042,7 @@
       </p:sp>
       <p:sp>
         <p:nvSpPr>
-          <p:cNvPr id="3" name="Content Placeholder 2"/>
+          <p:cNvPr id="4" name="Content Placeholder 2"/>
           <p:cNvSpPr>
             <a:spLocks noGrp="1"/>
           </p:cNvSpPr>
@@ -6162,23 +6050,30 @@
             <p:ph idx="1"/>
           </p:nvPr>
         </p:nvSpPr>
-        <p:spPr>
-          <a:xfrm>
-            <a:off x="457200" y="1600200"/>
-            <a:ext cx="8229600" cy="4400568"/>
-          </a:xfrm>
-        </p:spPr>
-        <p:txBody>
-          <a:bodyPr/>
-          <a:lstStyle/>
-          <a:p>
+        <p:spPr/>
+        <p:txBody>
+          <a:bodyPr/>
+          <a:lstStyle/>
+          <a:p>
+            <a:r>
+              <a:rPr lang="en-US" dirty="0" smtClean="0"/>
+              <a:t>List and </a:t>
+            </a:r>
+            <a:r>
+              <a:rPr lang="en-US" dirty="0" err="1" smtClean="0"/>
+              <a:t>foreach</a:t>
+            </a:r>
+            <a:r>
+              <a:rPr lang="en-US" dirty="0" smtClean="0"/>
+              <a:t> in our application</a:t>
+            </a:r>
             <a:endParaRPr lang="en-US" dirty="0"/>
           </a:p>
         </p:txBody>
       </p:sp>
       <p:pic>
         <p:nvPicPr>
-          <p:cNvPr id="4099" name="Picture 3"/>
+          <p:cNvPr id="5" name="Picture 4"/>
           <p:cNvPicPr>
             <a:picLocks noChangeAspect="1" noChangeArrowheads="1"/>
           </p:cNvPicPr>
@@ -6193,8 +6088,8 @@
         </p:blipFill>
         <p:spPr bwMode="auto">
           <a:xfrm>
-            <a:off x="0" y="1857364"/>
-            <a:ext cx="6191250" cy="5943600"/>
+            <a:off x="500034" y="2500306"/>
+            <a:ext cx="6219825" cy="2981325"/>
           </a:xfrm>
           <a:prstGeom prst="rect">
             <a:avLst/>
@@ -6210,7 +6105,7 @@
       </p:pic>
       <p:pic>
         <p:nvPicPr>
-          <p:cNvPr id="2050" name="Picture 2" descr="C:\Users\Martin\Desktop\Personal\Civil 3 Semester\projectwork\OOPExam\classDiagram.png"/>
+          <p:cNvPr id="6" name="Picture 2" descr="C:\Users\Martin\Desktop\Personal\Civil 3 Semester\projectwork\OOPExam\classDiagram.png"/>
           <p:cNvPicPr>
             <a:picLocks noChangeAspect="1" noChangeArrowheads="1"/>
           </p:cNvPicPr>
@@ -6225,8 +6120,8 @@
         </p:blipFill>
         <p:spPr bwMode="auto">
           <a:xfrm>
-            <a:off x="4214810" y="2928934"/>
-            <a:ext cx="4430954" cy="3286148"/>
+            <a:off x="5072066" y="2071678"/>
+            <a:ext cx="4071934" cy="2571768"/>
           </a:xfrm>
           <a:prstGeom prst="rect">
             <a:avLst/>
